--- a/ApresentaçãoPPT.pptx
+++ b/ApresentaçãoPPT.pptx
@@ -21,6 +21,7 @@
     <p:sldId id="272" r:id="rId15"/>
     <p:sldId id="273" r:id="rId16"/>
     <p:sldId id="274" r:id="rId17"/>
+    <p:sldId id="275" r:id="rId18"/>
   </p:sldIdLst>
   <p:sldSz cx="12192000" cy="6858000"/>
   <p:notesSz cx="6858000" cy="9144000"/>
@@ -274,7 +275,7 @@
           <a:p>
             <a:fld id="{C0C5E7B8-1278-4B03-A618-AB297928BC1B}" type="datetimeFigureOut">
               <a:rPr lang="pt-BR" smtClean="0"/>
-              <a:t>13/06/2020</a:t>
+              <a:t>23/06/2020</a:t>
             </a:fld>
             <a:endParaRPr lang="pt-BR"/>
           </a:p>
@@ -472,7 +473,7 @@
           <a:p>
             <a:fld id="{C0C5E7B8-1278-4B03-A618-AB297928BC1B}" type="datetimeFigureOut">
               <a:rPr lang="pt-BR" smtClean="0"/>
-              <a:t>13/06/2020</a:t>
+              <a:t>23/06/2020</a:t>
             </a:fld>
             <a:endParaRPr lang="pt-BR"/>
           </a:p>
@@ -680,7 +681,7 @@
           <a:p>
             <a:fld id="{C0C5E7B8-1278-4B03-A618-AB297928BC1B}" type="datetimeFigureOut">
               <a:rPr lang="pt-BR" smtClean="0"/>
-              <a:t>13/06/2020</a:t>
+              <a:t>23/06/2020</a:t>
             </a:fld>
             <a:endParaRPr lang="pt-BR"/>
           </a:p>
@@ -878,7 +879,7 @@
           <a:p>
             <a:fld id="{C0C5E7B8-1278-4B03-A618-AB297928BC1B}" type="datetimeFigureOut">
               <a:rPr lang="pt-BR" smtClean="0"/>
-              <a:t>13/06/2020</a:t>
+              <a:t>23/06/2020</a:t>
             </a:fld>
             <a:endParaRPr lang="pt-BR"/>
           </a:p>
@@ -1153,7 +1154,7 @@
           <a:p>
             <a:fld id="{C0C5E7B8-1278-4B03-A618-AB297928BC1B}" type="datetimeFigureOut">
               <a:rPr lang="pt-BR" smtClean="0"/>
-              <a:t>13/06/2020</a:t>
+              <a:t>23/06/2020</a:t>
             </a:fld>
             <a:endParaRPr lang="pt-BR"/>
           </a:p>
@@ -1418,7 +1419,7 @@
           <a:p>
             <a:fld id="{C0C5E7B8-1278-4B03-A618-AB297928BC1B}" type="datetimeFigureOut">
               <a:rPr lang="pt-BR" smtClean="0"/>
-              <a:t>13/06/2020</a:t>
+              <a:t>23/06/2020</a:t>
             </a:fld>
             <a:endParaRPr lang="pt-BR"/>
           </a:p>
@@ -1830,7 +1831,7 @@
           <a:p>
             <a:fld id="{C0C5E7B8-1278-4B03-A618-AB297928BC1B}" type="datetimeFigureOut">
               <a:rPr lang="pt-BR" smtClean="0"/>
-              <a:t>13/06/2020</a:t>
+              <a:t>23/06/2020</a:t>
             </a:fld>
             <a:endParaRPr lang="pt-BR"/>
           </a:p>
@@ -1971,7 +1972,7 @@
           <a:p>
             <a:fld id="{C0C5E7B8-1278-4B03-A618-AB297928BC1B}" type="datetimeFigureOut">
               <a:rPr lang="pt-BR" smtClean="0"/>
-              <a:t>13/06/2020</a:t>
+              <a:t>23/06/2020</a:t>
             </a:fld>
             <a:endParaRPr lang="pt-BR"/>
           </a:p>
@@ -2084,7 +2085,7 @@
           <a:p>
             <a:fld id="{C0C5E7B8-1278-4B03-A618-AB297928BC1B}" type="datetimeFigureOut">
               <a:rPr lang="pt-BR" smtClean="0"/>
-              <a:t>13/06/2020</a:t>
+              <a:t>23/06/2020</a:t>
             </a:fld>
             <a:endParaRPr lang="pt-BR"/>
           </a:p>
@@ -2395,7 +2396,7 @@
           <a:p>
             <a:fld id="{C0C5E7B8-1278-4B03-A618-AB297928BC1B}" type="datetimeFigureOut">
               <a:rPr lang="pt-BR" smtClean="0"/>
-              <a:t>13/06/2020</a:t>
+              <a:t>23/06/2020</a:t>
             </a:fld>
             <a:endParaRPr lang="pt-BR"/>
           </a:p>
@@ -2683,7 +2684,7 @@
           <a:p>
             <a:fld id="{C0C5E7B8-1278-4B03-A618-AB297928BC1B}" type="datetimeFigureOut">
               <a:rPr lang="pt-BR" smtClean="0"/>
-              <a:t>13/06/2020</a:t>
+              <a:t>23/06/2020</a:t>
             </a:fld>
             <a:endParaRPr lang="pt-BR"/>
           </a:p>
@@ -2924,7 +2925,7 @@
           <a:p>
             <a:fld id="{C0C5E7B8-1278-4B03-A618-AB297928BC1B}" type="datetimeFigureOut">
               <a:rPr lang="pt-BR" smtClean="0"/>
-              <a:t>13/06/2020</a:t>
+              <a:t>23/06/2020</a:t>
             </a:fld>
             <a:endParaRPr lang="pt-BR"/>
           </a:p>
@@ -14729,6 +14730,223 @@
   <p:clrMapOvr>
     <a:masterClrMapping/>
   </p:clrMapOvr>
+  <p:timing>
+    <p:tnLst>
+      <p:par>
+        <p:cTn id="1" dur="indefinite" restart="never" nodeType="tmRoot">
+          <p:childTnLst>
+            <p:seq concurrent="1" nextAc="seek">
+              <p:cTn id="2" dur="indefinite" nodeType="mainSeq">
+                <p:childTnLst>
+                  <p:par>
+                    <p:cTn id="3" fill="hold">
+                      <p:stCondLst>
+                        <p:cond delay="indefinite"/>
+                        <p:cond evt="onBegin" delay="0">
+                          <p:tn val="2"/>
+                        </p:cond>
+                      </p:stCondLst>
+                      <p:childTnLst>
+                        <p:par>
+                          <p:cTn id="4" fill="hold">
+                            <p:stCondLst>
+                              <p:cond delay="0"/>
+                            </p:stCondLst>
+                            <p:childTnLst>
+                              <p:par>
+                                <p:cTn id="5" presetID="42" presetClass="entr" presetSubtype="0" fill="hold" grpId="0" nodeType="afterEffect">
+                                  <p:stCondLst>
+                                    <p:cond delay="0"/>
+                                  </p:stCondLst>
+                                  <p:childTnLst>
+                                    <p:set>
+                                      <p:cBhvr>
+                                        <p:cTn id="6" dur="1" fill="hold">
+                                          <p:stCondLst>
+                                            <p:cond delay="0"/>
+                                          </p:stCondLst>
+                                        </p:cTn>
+                                        <p:tgtEl>
+                                          <p:spTgt spid="88"/>
+                                        </p:tgtEl>
+                                        <p:attrNameLst>
+                                          <p:attrName>style.visibility</p:attrName>
+                                        </p:attrNameLst>
+                                      </p:cBhvr>
+                                      <p:to>
+                                        <p:strVal val="visible"/>
+                                      </p:to>
+                                    </p:set>
+                                    <p:animEffect transition="in" filter="fade">
+                                      <p:cBhvr>
+                                        <p:cTn id="7" dur="1000"/>
+                                        <p:tgtEl>
+                                          <p:spTgt spid="88"/>
+                                        </p:tgtEl>
+                                      </p:cBhvr>
+                                    </p:animEffect>
+                                    <p:anim calcmode="lin" valueType="num">
+                                      <p:cBhvr>
+                                        <p:cTn id="8" dur="1000" fill="hold"/>
+                                        <p:tgtEl>
+                                          <p:spTgt spid="88"/>
+                                        </p:tgtEl>
+                                        <p:attrNameLst>
+                                          <p:attrName>ppt_x</p:attrName>
+                                        </p:attrNameLst>
+                                      </p:cBhvr>
+                                      <p:tavLst>
+                                        <p:tav tm="0">
+                                          <p:val>
+                                            <p:strVal val="#ppt_x"/>
+                                          </p:val>
+                                        </p:tav>
+                                        <p:tav tm="100000">
+                                          <p:val>
+                                            <p:strVal val="#ppt_x"/>
+                                          </p:val>
+                                        </p:tav>
+                                      </p:tavLst>
+                                    </p:anim>
+                                    <p:anim calcmode="lin" valueType="num">
+                                      <p:cBhvr>
+                                        <p:cTn id="9" dur="1000" fill="hold"/>
+                                        <p:tgtEl>
+                                          <p:spTgt spid="88"/>
+                                        </p:tgtEl>
+                                        <p:attrNameLst>
+                                          <p:attrName>ppt_y</p:attrName>
+                                        </p:attrNameLst>
+                                      </p:cBhvr>
+                                      <p:tavLst>
+                                        <p:tav tm="0">
+                                          <p:val>
+                                            <p:strVal val="#ppt_y+.1"/>
+                                          </p:val>
+                                        </p:tav>
+                                        <p:tav tm="100000">
+                                          <p:val>
+                                            <p:strVal val="#ppt_y"/>
+                                          </p:val>
+                                        </p:tav>
+                                      </p:tavLst>
+                                    </p:anim>
+                                  </p:childTnLst>
+                                </p:cTn>
+                              </p:par>
+                            </p:childTnLst>
+                          </p:cTn>
+                        </p:par>
+                        <p:par>
+                          <p:cTn id="10" fill="hold">
+                            <p:stCondLst>
+                              <p:cond delay="1000"/>
+                            </p:stCondLst>
+                            <p:childTnLst>
+                              <p:par>
+                                <p:cTn id="11" presetID="2" presetClass="entr" presetSubtype="4" fill="hold" nodeType="afterEffect">
+                                  <p:stCondLst>
+                                    <p:cond delay="0"/>
+                                  </p:stCondLst>
+                                  <p:childTnLst>
+                                    <p:set>
+                                      <p:cBhvr>
+                                        <p:cTn id="12" dur="1" fill="hold">
+                                          <p:stCondLst>
+                                            <p:cond delay="0"/>
+                                          </p:stCondLst>
+                                        </p:cTn>
+                                        <p:tgtEl>
+                                          <p:spTgt spid="2"/>
+                                        </p:tgtEl>
+                                        <p:attrNameLst>
+                                          <p:attrName>style.visibility</p:attrName>
+                                        </p:attrNameLst>
+                                      </p:cBhvr>
+                                      <p:to>
+                                        <p:strVal val="visible"/>
+                                      </p:to>
+                                    </p:set>
+                                    <p:anim calcmode="lin" valueType="num">
+                                      <p:cBhvr additive="base">
+                                        <p:cTn id="13" dur="500" fill="hold"/>
+                                        <p:tgtEl>
+                                          <p:spTgt spid="2"/>
+                                        </p:tgtEl>
+                                        <p:attrNameLst>
+                                          <p:attrName>ppt_x</p:attrName>
+                                        </p:attrNameLst>
+                                      </p:cBhvr>
+                                      <p:tavLst>
+                                        <p:tav tm="0">
+                                          <p:val>
+                                            <p:strVal val="#ppt_x"/>
+                                          </p:val>
+                                        </p:tav>
+                                        <p:tav tm="100000">
+                                          <p:val>
+                                            <p:strVal val="#ppt_x"/>
+                                          </p:val>
+                                        </p:tav>
+                                      </p:tavLst>
+                                    </p:anim>
+                                    <p:anim calcmode="lin" valueType="num">
+                                      <p:cBhvr additive="base">
+                                        <p:cTn id="14" dur="500" fill="hold"/>
+                                        <p:tgtEl>
+                                          <p:spTgt spid="2"/>
+                                        </p:tgtEl>
+                                        <p:attrNameLst>
+                                          <p:attrName>ppt_y</p:attrName>
+                                        </p:attrNameLst>
+                                      </p:cBhvr>
+                                      <p:tavLst>
+                                        <p:tav tm="0">
+                                          <p:val>
+                                            <p:strVal val="1+#ppt_h/2"/>
+                                          </p:val>
+                                        </p:tav>
+                                        <p:tav tm="100000">
+                                          <p:val>
+                                            <p:strVal val="#ppt_y"/>
+                                          </p:val>
+                                        </p:tav>
+                                      </p:tavLst>
+                                    </p:anim>
+                                  </p:childTnLst>
+                                </p:cTn>
+                              </p:par>
+                            </p:childTnLst>
+                          </p:cTn>
+                        </p:par>
+                      </p:childTnLst>
+                    </p:cTn>
+                  </p:par>
+                </p:childTnLst>
+              </p:cTn>
+              <p:prevCondLst>
+                <p:cond evt="onPrev" delay="0">
+                  <p:tgtEl>
+                    <p:sldTgt/>
+                  </p:tgtEl>
+                </p:cond>
+              </p:prevCondLst>
+              <p:nextCondLst>
+                <p:cond evt="onNext" delay="0">
+                  <p:tgtEl>
+                    <p:sldTgt/>
+                  </p:tgtEl>
+                </p:cond>
+              </p:nextCondLst>
+            </p:seq>
+          </p:childTnLst>
+        </p:cTn>
+      </p:par>
+    </p:tnLst>
+    <p:bldLst>
+      <p:bldP spid="88" grpId="0"/>
+    </p:bldLst>
+  </p:timing>
 </p:sld>
 </file>
 
@@ -20053,6 +20271,223 @@
   <p:clrMapOvr>
     <a:masterClrMapping/>
   </p:clrMapOvr>
+  <p:timing>
+    <p:tnLst>
+      <p:par>
+        <p:cTn id="1" dur="indefinite" restart="never" nodeType="tmRoot">
+          <p:childTnLst>
+            <p:seq concurrent="1" nextAc="seek">
+              <p:cTn id="2" dur="indefinite" nodeType="mainSeq">
+                <p:childTnLst>
+                  <p:par>
+                    <p:cTn id="3" fill="hold">
+                      <p:stCondLst>
+                        <p:cond delay="indefinite"/>
+                        <p:cond evt="onBegin" delay="0">
+                          <p:tn val="2"/>
+                        </p:cond>
+                      </p:stCondLst>
+                      <p:childTnLst>
+                        <p:par>
+                          <p:cTn id="4" fill="hold">
+                            <p:stCondLst>
+                              <p:cond delay="0"/>
+                            </p:stCondLst>
+                            <p:childTnLst>
+                              <p:par>
+                                <p:cTn id="5" presetID="42" presetClass="entr" presetSubtype="0" fill="hold" grpId="0" nodeType="afterEffect">
+                                  <p:stCondLst>
+                                    <p:cond delay="0"/>
+                                  </p:stCondLst>
+                                  <p:childTnLst>
+                                    <p:set>
+                                      <p:cBhvr>
+                                        <p:cTn id="6" dur="1" fill="hold">
+                                          <p:stCondLst>
+                                            <p:cond delay="0"/>
+                                          </p:stCondLst>
+                                        </p:cTn>
+                                        <p:tgtEl>
+                                          <p:spTgt spid="88"/>
+                                        </p:tgtEl>
+                                        <p:attrNameLst>
+                                          <p:attrName>style.visibility</p:attrName>
+                                        </p:attrNameLst>
+                                      </p:cBhvr>
+                                      <p:to>
+                                        <p:strVal val="visible"/>
+                                      </p:to>
+                                    </p:set>
+                                    <p:animEffect transition="in" filter="fade">
+                                      <p:cBhvr>
+                                        <p:cTn id="7" dur="1000"/>
+                                        <p:tgtEl>
+                                          <p:spTgt spid="88"/>
+                                        </p:tgtEl>
+                                      </p:cBhvr>
+                                    </p:animEffect>
+                                    <p:anim calcmode="lin" valueType="num">
+                                      <p:cBhvr>
+                                        <p:cTn id="8" dur="1000" fill="hold"/>
+                                        <p:tgtEl>
+                                          <p:spTgt spid="88"/>
+                                        </p:tgtEl>
+                                        <p:attrNameLst>
+                                          <p:attrName>ppt_x</p:attrName>
+                                        </p:attrNameLst>
+                                      </p:cBhvr>
+                                      <p:tavLst>
+                                        <p:tav tm="0">
+                                          <p:val>
+                                            <p:strVal val="#ppt_x"/>
+                                          </p:val>
+                                        </p:tav>
+                                        <p:tav tm="100000">
+                                          <p:val>
+                                            <p:strVal val="#ppt_x"/>
+                                          </p:val>
+                                        </p:tav>
+                                      </p:tavLst>
+                                    </p:anim>
+                                    <p:anim calcmode="lin" valueType="num">
+                                      <p:cBhvr>
+                                        <p:cTn id="9" dur="1000" fill="hold"/>
+                                        <p:tgtEl>
+                                          <p:spTgt spid="88"/>
+                                        </p:tgtEl>
+                                        <p:attrNameLst>
+                                          <p:attrName>ppt_y</p:attrName>
+                                        </p:attrNameLst>
+                                      </p:cBhvr>
+                                      <p:tavLst>
+                                        <p:tav tm="0">
+                                          <p:val>
+                                            <p:strVal val="#ppt_y+.1"/>
+                                          </p:val>
+                                        </p:tav>
+                                        <p:tav tm="100000">
+                                          <p:val>
+                                            <p:strVal val="#ppt_y"/>
+                                          </p:val>
+                                        </p:tav>
+                                      </p:tavLst>
+                                    </p:anim>
+                                  </p:childTnLst>
+                                </p:cTn>
+                              </p:par>
+                            </p:childTnLst>
+                          </p:cTn>
+                        </p:par>
+                        <p:par>
+                          <p:cTn id="10" fill="hold">
+                            <p:stCondLst>
+                              <p:cond delay="1000"/>
+                            </p:stCondLst>
+                            <p:childTnLst>
+                              <p:par>
+                                <p:cTn id="11" presetID="2" presetClass="entr" presetSubtype="4" fill="hold" nodeType="afterEffect">
+                                  <p:stCondLst>
+                                    <p:cond delay="0"/>
+                                  </p:stCondLst>
+                                  <p:childTnLst>
+                                    <p:set>
+                                      <p:cBhvr>
+                                        <p:cTn id="12" dur="1" fill="hold">
+                                          <p:stCondLst>
+                                            <p:cond delay="0"/>
+                                          </p:stCondLst>
+                                        </p:cTn>
+                                        <p:tgtEl>
+                                          <p:spTgt spid="165"/>
+                                        </p:tgtEl>
+                                        <p:attrNameLst>
+                                          <p:attrName>style.visibility</p:attrName>
+                                        </p:attrNameLst>
+                                      </p:cBhvr>
+                                      <p:to>
+                                        <p:strVal val="visible"/>
+                                      </p:to>
+                                    </p:set>
+                                    <p:anim calcmode="lin" valueType="num">
+                                      <p:cBhvr additive="base">
+                                        <p:cTn id="13" dur="500" fill="hold"/>
+                                        <p:tgtEl>
+                                          <p:spTgt spid="165"/>
+                                        </p:tgtEl>
+                                        <p:attrNameLst>
+                                          <p:attrName>ppt_x</p:attrName>
+                                        </p:attrNameLst>
+                                      </p:cBhvr>
+                                      <p:tavLst>
+                                        <p:tav tm="0">
+                                          <p:val>
+                                            <p:strVal val="#ppt_x"/>
+                                          </p:val>
+                                        </p:tav>
+                                        <p:tav tm="100000">
+                                          <p:val>
+                                            <p:strVal val="#ppt_x"/>
+                                          </p:val>
+                                        </p:tav>
+                                      </p:tavLst>
+                                    </p:anim>
+                                    <p:anim calcmode="lin" valueType="num">
+                                      <p:cBhvr additive="base">
+                                        <p:cTn id="14" dur="500" fill="hold"/>
+                                        <p:tgtEl>
+                                          <p:spTgt spid="165"/>
+                                        </p:tgtEl>
+                                        <p:attrNameLst>
+                                          <p:attrName>ppt_y</p:attrName>
+                                        </p:attrNameLst>
+                                      </p:cBhvr>
+                                      <p:tavLst>
+                                        <p:tav tm="0">
+                                          <p:val>
+                                            <p:strVal val="1+#ppt_h/2"/>
+                                          </p:val>
+                                        </p:tav>
+                                        <p:tav tm="100000">
+                                          <p:val>
+                                            <p:strVal val="#ppt_y"/>
+                                          </p:val>
+                                        </p:tav>
+                                      </p:tavLst>
+                                    </p:anim>
+                                  </p:childTnLst>
+                                </p:cTn>
+                              </p:par>
+                            </p:childTnLst>
+                          </p:cTn>
+                        </p:par>
+                      </p:childTnLst>
+                    </p:cTn>
+                  </p:par>
+                </p:childTnLst>
+              </p:cTn>
+              <p:prevCondLst>
+                <p:cond evt="onPrev" delay="0">
+                  <p:tgtEl>
+                    <p:sldTgt/>
+                  </p:tgtEl>
+                </p:cond>
+              </p:prevCondLst>
+              <p:nextCondLst>
+                <p:cond evt="onNext" delay="0">
+                  <p:tgtEl>
+                    <p:sldTgt/>
+                  </p:tgtEl>
+                </p:cond>
+              </p:nextCondLst>
+            </p:seq>
+          </p:childTnLst>
+        </p:cTn>
+      </p:par>
+    </p:tnLst>
+    <p:bldLst>
+      <p:bldP spid="88" grpId="0"/>
+    </p:bldLst>
+  </p:timing>
 </p:sld>
 </file>
 
@@ -20420,6 +20855,223 @@
   <p:clrMapOvr>
     <a:masterClrMapping/>
   </p:clrMapOvr>
+  <p:timing>
+    <p:tnLst>
+      <p:par>
+        <p:cTn id="1" dur="indefinite" restart="never" nodeType="tmRoot">
+          <p:childTnLst>
+            <p:seq concurrent="1" nextAc="seek">
+              <p:cTn id="2" dur="indefinite" nodeType="mainSeq">
+                <p:childTnLst>
+                  <p:par>
+                    <p:cTn id="3" fill="hold">
+                      <p:stCondLst>
+                        <p:cond delay="indefinite"/>
+                        <p:cond evt="onBegin" delay="0">
+                          <p:tn val="2"/>
+                        </p:cond>
+                      </p:stCondLst>
+                      <p:childTnLst>
+                        <p:par>
+                          <p:cTn id="4" fill="hold">
+                            <p:stCondLst>
+                              <p:cond delay="0"/>
+                            </p:stCondLst>
+                            <p:childTnLst>
+                              <p:par>
+                                <p:cTn id="5" presetID="42" presetClass="entr" presetSubtype="0" fill="hold" grpId="0" nodeType="afterEffect">
+                                  <p:stCondLst>
+                                    <p:cond delay="0"/>
+                                  </p:stCondLst>
+                                  <p:childTnLst>
+                                    <p:set>
+                                      <p:cBhvr>
+                                        <p:cTn id="6" dur="1" fill="hold">
+                                          <p:stCondLst>
+                                            <p:cond delay="0"/>
+                                          </p:stCondLst>
+                                        </p:cTn>
+                                        <p:tgtEl>
+                                          <p:spTgt spid="88"/>
+                                        </p:tgtEl>
+                                        <p:attrNameLst>
+                                          <p:attrName>style.visibility</p:attrName>
+                                        </p:attrNameLst>
+                                      </p:cBhvr>
+                                      <p:to>
+                                        <p:strVal val="visible"/>
+                                      </p:to>
+                                    </p:set>
+                                    <p:animEffect transition="in" filter="fade">
+                                      <p:cBhvr>
+                                        <p:cTn id="7" dur="1000"/>
+                                        <p:tgtEl>
+                                          <p:spTgt spid="88"/>
+                                        </p:tgtEl>
+                                      </p:cBhvr>
+                                    </p:animEffect>
+                                    <p:anim calcmode="lin" valueType="num">
+                                      <p:cBhvr>
+                                        <p:cTn id="8" dur="1000" fill="hold"/>
+                                        <p:tgtEl>
+                                          <p:spTgt spid="88"/>
+                                        </p:tgtEl>
+                                        <p:attrNameLst>
+                                          <p:attrName>ppt_x</p:attrName>
+                                        </p:attrNameLst>
+                                      </p:cBhvr>
+                                      <p:tavLst>
+                                        <p:tav tm="0">
+                                          <p:val>
+                                            <p:strVal val="#ppt_x"/>
+                                          </p:val>
+                                        </p:tav>
+                                        <p:tav tm="100000">
+                                          <p:val>
+                                            <p:strVal val="#ppt_x"/>
+                                          </p:val>
+                                        </p:tav>
+                                      </p:tavLst>
+                                    </p:anim>
+                                    <p:anim calcmode="lin" valueType="num">
+                                      <p:cBhvr>
+                                        <p:cTn id="9" dur="1000" fill="hold"/>
+                                        <p:tgtEl>
+                                          <p:spTgt spid="88"/>
+                                        </p:tgtEl>
+                                        <p:attrNameLst>
+                                          <p:attrName>ppt_y</p:attrName>
+                                        </p:attrNameLst>
+                                      </p:cBhvr>
+                                      <p:tavLst>
+                                        <p:tav tm="0">
+                                          <p:val>
+                                            <p:strVal val="#ppt_y+.1"/>
+                                          </p:val>
+                                        </p:tav>
+                                        <p:tav tm="100000">
+                                          <p:val>
+                                            <p:strVal val="#ppt_y"/>
+                                          </p:val>
+                                        </p:tav>
+                                      </p:tavLst>
+                                    </p:anim>
+                                  </p:childTnLst>
+                                </p:cTn>
+                              </p:par>
+                            </p:childTnLst>
+                          </p:cTn>
+                        </p:par>
+                        <p:par>
+                          <p:cTn id="10" fill="hold">
+                            <p:stCondLst>
+                              <p:cond delay="1000"/>
+                            </p:stCondLst>
+                            <p:childTnLst>
+                              <p:par>
+                                <p:cTn id="11" presetID="2" presetClass="entr" presetSubtype="4" fill="hold" nodeType="afterEffect">
+                                  <p:stCondLst>
+                                    <p:cond delay="0"/>
+                                  </p:stCondLst>
+                                  <p:childTnLst>
+                                    <p:set>
+                                      <p:cBhvr>
+                                        <p:cTn id="12" dur="1" fill="hold">
+                                          <p:stCondLst>
+                                            <p:cond delay="0"/>
+                                          </p:stCondLst>
+                                        </p:cTn>
+                                        <p:tgtEl>
+                                          <p:spTgt spid="3"/>
+                                        </p:tgtEl>
+                                        <p:attrNameLst>
+                                          <p:attrName>style.visibility</p:attrName>
+                                        </p:attrNameLst>
+                                      </p:cBhvr>
+                                      <p:to>
+                                        <p:strVal val="visible"/>
+                                      </p:to>
+                                    </p:set>
+                                    <p:anim calcmode="lin" valueType="num">
+                                      <p:cBhvr additive="base">
+                                        <p:cTn id="13" dur="500" fill="hold"/>
+                                        <p:tgtEl>
+                                          <p:spTgt spid="3"/>
+                                        </p:tgtEl>
+                                        <p:attrNameLst>
+                                          <p:attrName>ppt_x</p:attrName>
+                                        </p:attrNameLst>
+                                      </p:cBhvr>
+                                      <p:tavLst>
+                                        <p:tav tm="0">
+                                          <p:val>
+                                            <p:strVal val="#ppt_x"/>
+                                          </p:val>
+                                        </p:tav>
+                                        <p:tav tm="100000">
+                                          <p:val>
+                                            <p:strVal val="#ppt_x"/>
+                                          </p:val>
+                                        </p:tav>
+                                      </p:tavLst>
+                                    </p:anim>
+                                    <p:anim calcmode="lin" valueType="num">
+                                      <p:cBhvr additive="base">
+                                        <p:cTn id="14" dur="500" fill="hold"/>
+                                        <p:tgtEl>
+                                          <p:spTgt spid="3"/>
+                                        </p:tgtEl>
+                                        <p:attrNameLst>
+                                          <p:attrName>ppt_y</p:attrName>
+                                        </p:attrNameLst>
+                                      </p:cBhvr>
+                                      <p:tavLst>
+                                        <p:tav tm="0">
+                                          <p:val>
+                                            <p:strVal val="1+#ppt_h/2"/>
+                                          </p:val>
+                                        </p:tav>
+                                        <p:tav tm="100000">
+                                          <p:val>
+                                            <p:strVal val="#ppt_y"/>
+                                          </p:val>
+                                        </p:tav>
+                                      </p:tavLst>
+                                    </p:anim>
+                                  </p:childTnLst>
+                                </p:cTn>
+                              </p:par>
+                            </p:childTnLst>
+                          </p:cTn>
+                        </p:par>
+                      </p:childTnLst>
+                    </p:cTn>
+                  </p:par>
+                </p:childTnLst>
+              </p:cTn>
+              <p:prevCondLst>
+                <p:cond evt="onPrev" delay="0">
+                  <p:tgtEl>
+                    <p:sldTgt/>
+                  </p:tgtEl>
+                </p:cond>
+              </p:prevCondLst>
+              <p:nextCondLst>
+                <p:cond evt="onNext" delay="0">
+                  <p:tgtEl>
+                    <p:sldTgt/>
+                  </p:tgtEl>
+                </p:cond>
+              </p:nextCondLst>
+            </p:seq>
+          </p:childTnLst>
+        </p:cTn>
+      </p:par>
+    </p:tnLst>
+    <p:bldLst>
+      <p:bldP spid="88" grpId="0"/>
+    </p:bldLst>
+  </p:timing>
 </p:sld>
 </file>
 
@@ -20741,6 +21393,1808 @@
           </a:p>
         </p:txBody>
       </p:sp>
+      <p:graphicFrame>
+        <p:nvGraphicFramePr>
+          <p:cNvPr id="4" name="Tabela 4">
+            <a:extLst>
+              <a:ext uri="{FF2B5EF4-FFF2-40B4-BE49-F238E27FC236}">
+                <a16:creationId xmlns:a16="http://schemas.microsoft.com/office/drawing/2014/main" id="{ECB26270-E6CA-490A-9D3E-8347F2D5F235}"/>
+              </a:ext>
+            </a:extLst>
+          </p:cNvPr>
+          <p:cNvGraphicFramePr>
+            <a:graphicFrameLocks noGrp="1"/>
+          </p:cNvGraphicFramePr>
+          <p:nvPr>
+            <p:extLst>
+              <p:ext uri="{D42A27DB-BD31-4B8C-83A1-F6EECF244321}">
+                <p14:modId xmlns:p14="http://schemas.microsoft.com/office/powerpoint/2010/main" val="3810794827"/>
+              </p:ext>
+            </p:extLst>
+          </p:nvPr>
+        </p:nvGraphicFramePr>
+        <p:xfrm>
+          <a:off x="209145" y="809375"/>
+          <a:ext cx="5457372" cy="5889949"/>
+        </p:xfrm>
+        <a:graphic>
+          <a:graphicData uri="http://schemas.openxmlformats.org/drawingml/2006/table">
+            <a:tbl>
+              <a:tblPr firstRow="1" bandRow="1">
+                <a:tableStyleId>{5C22544A-7EE6-4342-B048-85BDC9FD1C3A}</a:tableStyleId>
+              </a:tblPr>
+              <a:tblGrid>
+                <a:gridCol w="2965962">
+                  <a:extLst>
+                    <a:ext uri="{9D8B030D-6E8A-4147-A177-3AD203B41FA5}">
+                      <a16:colId xmlns:a16="http://schemas.microsoft.com/office/drawing/2014/main" val="1210356655"/>
+                    </a:ext>
+                  </a:extLst>
+                </a:gridCol>
+                <a:gridCol w="1484244">
+                  <a:extLst>
+                    <a:ext uri="{9D8B030D-6E8A-4147-A177-3AD203B41FA5}">
+                      <a16:colId xmlns:a16="http://schemas.microsoft.com/office/drawing/2014/main" val="1574228410"/>
+                    </a:ext>
+                  </a:extLst>
+                </a:gridCol>
+                <a:gridCol w="1007166">
+                  <a:extLst>
+                    <a:ext uri="{9D8B030D-6E8A-4147-A177-3AD203B41FA5}">
+                      <a16:colId xmlns:a16="http://schemas.microsoft.com/office/drawing/2014/main" val="1142365012"/>
+                    </a:ext>
+                  </a:extLst>
+                </a:gridCol>
+              </a:tblGrid>
+              <a:tr h="415519">
+                <a:tc>
+                  <a:txBody>
+                    <a:bodyPr/>
+                    <a:lstStyle/>
+                    <a:p>
+                      <a:pPr algn="ctr"/>
+                      <a:r>
+                        <a:rPr lang="pt-BR" sz="1600" dirty="0">
+                          <a:latin typeface="Arial" panose="020B0604020202020204" pitchFamily="34" charset="0"/>
+                          <a:cs typeface="Arial" panose="020B0604020202020204" pitchFamily="34" charset="0"/>
+                        </a:rPr>
+                        <a:t>Requisito</a:t>
+                      </a:r>
+                    </a:p>
+                  </a:txBody>
+                  <a:tcPr/>
+                </a:tc>
+                <a:tc>
+                  <a:txBody>
+                    <a:bodyPr/>
+                    <a:lstStyle/>
+                    <a:p>
+                      <a:pPr algn="ctr"/>
+                      <a:r>
+                        <a:rPr lang="pt-BR" sz="1600" dirty="0">
+                          <a:latin typeface="Arial" panose="020B0604020202020204" pitchFamily="34" charset="0"/>
+                          <a:cs typeface="Arial" panose="020B0604020202020204" pitchFamily="34" charset="0"/>
+                        </a:rPr>
+                        <a:t>Classificação</a:t>
+                      </a:r>
+                    </a:p>
+                  </a:txBody>
+                  <a:tcPr/>
+                </a:tc>
+                <a:tc>
+                  <a:txBody>
+                    <a:bodyPr/>
+                    <a:lstStyle/>
+                    <a:p>
+                      <a:pPr algn="ctr"/>
+                      <a:r>
+                        <a:rPr lang="pt-BR" sz="1600" dirty="0">
+                          <a:latin typeface="Arial" panose="020B0604020202020204" pitchFamily="34" charset="0"/>
+                          <a:cs typeface="Arial" panose="020B0604020202020204" pitchFamily="34" charset="0"/>
+                        </a:rPr>
+                        <a:t>Sprint</a:t>
+                      </a:r>
+                    </a:p>
+                  </a:txBody>
+                  <a:tcPr/>
+                </a:tc>
+                <a:extLst>
+                  <a:ext uri="{0D108BD9-81ED-4DB2-BD59-A6C34878D82A}">
+                    <a16:rowId xmlns:a16="http://schemas.microsoft.com/office/drawing/2014/main" val="2939056427"/>
+                  </a:ext>
+                </a:extLst>
+              </a:tr>
+              <a:tr h="448002">
+                <a:tc>
+                  <a:txBody>
+                    <a:bodyPr/>
+                    <a:lstStyle/>
+                    <a:p>
+                      <a:pPr algn="ctr" fontAlgn="b"/>
+                      <a:r>
+                        <a:rPr lang="pt-BR" sz="1600" b="0" i="0" u="none" strike="noStrike" dirty="0">
+                          <a:solidFill>
+                            <a:srgbClr val="000000"/>
+                          </a:solidFill>
+                          <a:effectLst/>
+                          <a:latin typeface="Arial" panose="020B0604020202020204" pitchFamily="34" charset="0"/>
+                          <a:cs typeface="Arial" panose="020B0604020202020204" pitchFamily="34" charset="0"/>
+                        </a:rPr>
+                        <a:t>Banco de dados</a:t>
+                      </a:r>
+                    </a:p>
+                  </a:txBody>
+                  <a:tcPr marL="9525" marR="9525" marT="9525" marB="0" anchor="b"/>
+                </a:tc>
+                <a:tc>
+                  <a:txBody>
+                    <a:bodyPr/>
+                    <a:lstStyle/>
+                    <a:p>
+                      <a:pPr algn="ctr" fontAlgn="b"/>
+                      <a:r>
+                        <a:rPr lang="pt-BR" sz="1600" b="0" i="0" u="none" strike="noStrike" dirty="0">
+                          <a:solidFill>
+                            <a:srgbClr val="000000"/>
+                          </a:solidFill>
+                          <a:effectLst/>
+                          <a:latin typeface="Arial" panose="020B0604020202020204" pitchFamily="34" charset="0"/>
+                          <a:cs typeface="Arial" panose="020B0604020202020204" pitchFamily="34" charset="0"/>
+                        </a:rPr>
+                        <a:t>Essencial</a:t>
+                      </a:r>
+                    </a:p>
+                  </a:txBody>
+                  <a:tcPr marL="9525" marR="9525" marT="9525" marB="0" anchor="b"/>
+                </a:tc>
+                <a:tc>
+                  <a:txBody>
+                    <a:bodyPr/>
+                    <a:lstStyle/>
+                    <a:p>
+                      <a:pPr algn="ctr"/>
+                      <a:r>
+                        <a:rPr lang="pt-BR" sz="1600" dirty="0">
+                          <a:latin typeface="Arial" panose="020B0604020202020204" pitchFamily="34" charset="0"/>
+                          <a:cs typeface="Arial" panose="020B0604020202020204" pitchFamily="34" charset="0"/>
+                        </a:rPr>
+                        <a:t>1</a:t>
+                      </a:r>
+                    </a:p>
+                  </a:txBody>
+                  <a:tcPr/>
+                </a:tc>
+                <a:extLst>
+                  <a:ext uri="{0D108BD9-81ED-4DB2-BD59-A6C34878D82A}">
+                    <a16:rowId xmlns:a16="http://schemas.microsoft.com/office/drawing/2014/main" val="2945394638"/>
+                  </a:ext>
+                </a:extLst>
+              </a:tr>
+              <a:tr h="448002">
+                <a:tc>
+                  <a:txBody>
+                    <a:bodyPr/>
+                    <a:lstStyle/>
+                    <a:p>
+                      <a:pPr algn="ctr" fontAlgn="b"/>
+                      <a:r>
+                        <a:rPr lang="pt-BR" sz="1600" b="0" i="0" u="none" strike="noStrike" dirty="0">
+                          <a:solidFill>
+                            <a:srgbClr val="000000"/>
+                          </a:solidFill>
+                          <a:effectLst/>
+                          <a:latin typeface="Arial" panose="020B0604020202020204" pitchFamily="34" charset="0"/>
+                          <a:cs typeface="Arial" panose="020B0604020202020204" pitchFamily="34" charset="0"/>
+                        </a:rPr>
+                        <a:t>Contextualização</a:t>
+                      </a:r>
+                    </a:p>
+                  </a:txBody>
+                  <a:tcPr marL="9525" marR="9525" marT="9525" marB="0" anchor="b"/>
+                </a:tc>
+                <a:tc>
+                  <a:txBody>
+                    <a:bodyPr/>
+                    <a:lstStyle/>
+                    <a:p>
+                      <a:pPr algn="ctr" fontAlgn="b"/>
+                      <a:r>
+                        <a:rPr lang="pt-BR" sz="1600" b="0" i="0" u="none" strike="noStrike" dirty="0">
+                          <a:solidFill>
+                            <a:srgbClr val="000000"/>
+                          </a:solidFill>
+                          <a:effectLst/>
+                          <a:latin typeface="Arial" panose="020B0604020202020204" pitchFamily="34" charset="0"/>
+                          <a:cs typeface="Arial" panose="020B0604020202020204" pitchFamily="34" charset="0"/>
+                        </a:rPr>
+                        <a:t>Essencial</a:t>
+                      </a:r>
+                    </a:p>
+                  </a:txBody>
+                  <a:tcPr marL="9525" marR="9525" marT="9525" marB="0" anchor="b"/>
+                </a:tc>
+                <a:tc>
+                  <a:txBody>
+                    <a:bodyPr/>
+                    <a:lstStyle/>
+                    <a:p>
+                      <a:pPr algn="ctr"/>
+                      <a:r>
+                        <a:rPr lang="pt-BR" sz="1600" dirty="0">
+                          <a:latin typeface="Arial" panose="020B0604020202020204" pitchFamily="34" charset="0"/>
+                          <a:cs typeface="Arial" panose="020B0604020202020204" pitchFamily="34" charset="0"/>
+                        </a:rPr>
+                        <a:t>1</a:t>
+                      </a:r>
+                    </a:p>
+                  </a:txBody>
+                  <a:tcPr/>
+                </a:tc>
+                <a:extLst>
+                  <a:ext uri="{0D108BD9-81ED-4DB2-BD59-A6C34878D82A}">
+                    <a16:rowId xmlns:a16="http://schemas.microsoft.com/office/drawing/2014/main" val="1106172379"/>
+                  </a:ext>
+                </a:extLst>
+              </a:tr>
+              <a:tr h="448002">
+                <a:tc>
+                  <a:txBody>
+                    <a:bodyPr/>
+                    <a:lstStyle/>
+                    <a:p>
+                      <a:pPr algn="ctr" fontAlgn="b"/>
+                      <a:r>
+                        <a:rPr lang="pt-BR" sz="1600" b="0" i="0" u="none" strike="noStrike" dirty="0">
+                          <a:solidFill>
+                            <a:srgbClr val="000000"/>
+                          </a:solidFill>
+                          <a:effectLst/>
+                          <a:latin typeface="Arial" panose="020B0604020202020204" pitchFamily="34" charset="0"/>
+                          <a:cs typeface="Arial" panose="020B0604020202020204" pitchFamily="34" charset="0"/>
+                        </a:rPr>
+                        <a:t>Simulador Financeiro</a:t>
+                      </a:r>
+                    </a:p>
+                  </a:txBody>
+                  <a:tcPr marL="9525" marR="9525" marT="9525" marB="0" anchor="b"/>
+                </a:tc>
+                <a:tc>
+                  <a:txBody>
+                    <a:bodyPr/>
+                    <a:lstStyle/>
+                    <a:p>
+                      <a:pPr algn="ctr" fontAlgn="b"/>
+                      <a:r>
+                        <a:rPr lang="pt-BR" sz="1600" b="0" i="0" u="none" strike="noStrike" dirty="0">
+                          <a:solidFill>
+                            <a:srgbClr val="000000"/>
+                          </a:solidFill>
+                          <a:effectLst/>
+                          <a:latin typeface="Arial" panose="020B0604020202020204" pitchFamily="34" charset="0"/>
+                          <a:cs typeface="Arial" panose="020B0604020202020204" pitchFamily="34" charset="0"/>
+                        </a:rPr>
+                        <a:t>Essencial</a:t>
+                      </a:r>
+                    </a:p>
+                  </a:txBody>
+                  <a:tcPr marL="9525" marR="9525" marT="9525" marB="0" anchor="b"/>
+                </a:tc>
+                <a:tc>
+                  <a:txBody>
+                    <a:bodyPr/>
+                    <a:lstStyle/>
+                    <a:p>
+                      <a:pPr algn="ctr"/>
+                      <a:r>
+                        <a:rPr lang="pt-BR" sz="1600" dirty="0">
+                          <a:latin typeface="Arial" panose="020B0604020202020204" pitchFamily="34" charset="0"/>
+                          <a:cs typeface="Arial" panose="020B0604020202020204" pitchFamily="34" charset="0"/>
+                        </a:rPr>
+                        <a:t>1</a:t>
+                      </a:r>
+                    </a:p>
+                  </a:txBody>
+                  <a:tcPr/>
+                </a:tc>
+                <a:extLst>
+                  <a:ext uri="{0D108BD9-81ED-4DB2-BD59-A6C34878D82A}">
+                    <a16:rowId xmlns:a16="http://schemas.microsoft.com/office/drawing/2014/main" val="414202941"/>
+                  </a:ext>
+                </a:extLst>
+              </a:tr>
+              <a:tr h="448002">
+                <a:tc>
+                  <a:txBody>
+                    <a:bodyPr/>
+                    <a:lstStyle/>
+                    <a:p>
+                      <a:pPr algn="ctr" fontAlgn="b"/>
+                      <a:r>
+                        <a:rPr lang="pt-BR" sz="1600" b="0" i="0" u="none" strike="noStrike" dirty="0">
+                          <a:solidFill>
+                            <a:srgbClr val="000000"/>
+                          </a:solidFill>
+                          <a:effectLst/>
+                          <a:latin typeface="Arial" panose="020B0604020202020204" pitchFamily="34" charset="0"/>
+                          <a:cs typeface="Arial" panose="020B0604020202020204" pitchFamily="34" charset="0"/>
+                        </a:rPr>
+                        <a:t>O sensor deve captar a luz solar</a:t>
+                      </a:r>
+                    </a:p>
+                  </a:txBody>
+                  <a:tcPr marL="9525" marR="9525" marT="9525" marB="0" anchor="b"/>
+                </a:tc>
+                <a:tc>
+                  <a:txBody>
+                    <a:bodyPr/>
+                    <a:lstStyle/>
+                    <a:p>
+                      <a:pPr algn="ctr" fontAlgn="b"/>
+                      <a:r>
+                        <a:rPr lang="pt-BR" sz="1600" b="0" i="0" u="none" strike="noStrike" dirty="0">
+                          <a:solidFill>
+                            <a:srgbClr val="000000"/>
+                          </a:solidFill>
+                          <a:effectLst/>
+                          <a:latin typeface="Arial" panose="020B0604020202020204" pitchFamily="34" charset="0"/>
+                          <a:cs typeface="Arial" panose="020B0604020202020204" pitchFamily="34" charset="0"/>
+                        </a:rPr>
+                        <a:t>Essencial</a:t>
+                      </a:r>
+                    </a:p>
+                  </a:txBody>
+                  <a:tcPr marL="9525" marR="9525" marT="9525" marB="0" anchor="b"/>
+                </a:tc>
+                <a:tc>
+                  <a:txBody>
+                    <a:bodyPr/>
+                    <a:lstStyle/>
+                    <a:p>
+                      <a:pPr algn="ctr"/>
+                      <a:r>
+                        <a:rPr lang="pt-BR" sz="1600" dirty="0">
+                          <a:latin typeface="Arial" panose="020B0604020202020204" pitchFamily="34" charset="0"/>
+                          <a:cs typeface="Arial" panose="020B0604020202020204" pitchFamily="34" charset="0"/>
+                        </a:rPr>
+                        <a:t>1</a:t>
+                      </a:r>
+                    </a:p>
+                  </a:txBody>
+                  <a:tcPr/>
+                </a:tc>
+                <a:extLst>
+                  <a:ext uri="{0D108BD9-81ED-4DB2-BD59-A6C34878D82A}">
+                    <a16:rowId xmlns:a16="http://schemas.microsoft.com/office/drawing/2014/main" val="635885015"/>
+                  </a:ext>
+                </a:extLst>
+              </a:tr>
+              <a:tr h="448002">
+                <a:tc>
+                  <a:txBody>
+                    <a:bodyPr/>
+                    <a:lstStyle/>
+                    <a:p>
+                      <a:pPr algn="ctr" fontAlgn="b"/>
+                      <a:r>
+                        <a:rPr lang="pt-BR" sz="1600" b="0" i="0" u="none" strike="noStrike" dirty="0">
+                          <a:solidFill>
+                            <a:srgbClr val="000000"/>
+                          </a:solidFill>
+                          <a:effectLst/>
+                          <a:latin typeface="Arial" panose="020B0604020202020204" pitchFamily="34" charset="0"/>
+                          <a:cs typeface="Arial" panose="020B0604020202020204" pitchFamily="34" charset="0"/>
+                        </a:rPr>
+                        <a:t>O sistema deve redirecionar o painel</a:t>
+                      </a:r>
+                    </a:p>
+                  </a:txBody>
+                  <a:tcPr marL="9525" marR="9525" marT="9525" marB="0" anchor="b"/>
+                </a:tc>
+                <a:tc>
+                  <a:txBody>
+                    <a:bodyPr/>
+                    <a:lstStyle/>
+                    <a:p>
+                      <a:pPr algn="ctr" fontAlgn="b"/>
+                      <a:r>
+                        <a:rPr lang="pt-BR" sz="1600" b="0" i="0" u="none" strike="noStrike" dirty="0">
+                          <a:solidFill>
+                            <a:srgbClr val="000000"/>
+                          </a:solidFill>
+                          <a:effectLst/>
+                          <a:latin typeface="Arial" panose="020B0604020202020204" pitchFamily="34" charset="0"/>
+                          <a:cs typeface="Arial" panose="020B0604020202020204" pitchFamily="34" charset="0"/>
+                        </a:rPr>
+                        <a:t>Essencial</a:t>
+                      </a:r>
+                    </a:p>
+                  </a:txBody>
+                  <a:tcPr marL="9525" marR="9525" marT="9525" marB="0" anchor="b"/>
+                </a:tc>
+                <a:tc>
+                  <a:txBody>
+                    <a:bodyPr/>
+                    <a:lstStyle/>
+                    <a:p>
+                      <a:pPr algn="ctr"/>
+                      <a:r>
+                        <a:rPr lang="pt-BR" sz="1600" dirty="0">
+                          <a:latin typeface="Arial" panose="020B0604020202020204" pitchFamily="34" charset="0"/>
+                          <a:cs typeface="Arial" panose="020B0604020202020204" pitchFamily="34" charset="0"/>
+                        </a:rPr>
+                        <a:t>1</a:t>
+                      </a:r>
+                    </a:p>
+                  </a:txBody>
+                  <a:tcPr/>
+                </a:tc>
+                <a:extLst>
+                  <a:ext uri="{0D108BD9-81ED-4DB2-BD59-A6C34878D82A}">
+                    <a16:rowId xmlns:a16="http://schemas.microsoft.com/office/drawing/2014/main" val="275360648"/>
+                  </a:ext>
+                </a:extLst>
+              </a:tr>
+              <a:tr h="448002">
+                <a:tc>
+                  <a:txBody>
+                    <a:bodyPr/>
+                    <a:lstStyle/>
+                    <a:p>
+                      <a:pPr algn="ctr" fontAlgn="b"/>
+                      <a:r>
+                        <a:rPr lang="pt-BR" sz="1600" b="0" i="0" u="none" strike="noStrike" dirty="0">
+                          <a:solidFill>
+                            <a:srgbClr val="000000"/>
+                          </a:solidFill>
+                          <a:effectLst/>
+                          <a:latin typeface="Arial" panose="020B0604020202020204" pitchFamily="34" charset="0"/>
+                          <a:cs typeface="Arial" panose="020B0604020202020204" pitchFamily="34" charset="0"/>
+                        </a:rPr>
+                        <a:t>Painel deve ter estrutura para movimentação</a:t>
+                      </a:r>
+                    </a:p>
+                  </a:txBody>
+                  <a:tcPr marL="9525" marR="9525" marT="9525" marB="0" anchor="b"/>
+                </a:tc>
+                <a:tc>
+                  <a:txBody>
+                    <a:bodyPr/>
+                    <a:lstStyle/>
+                    <a:p>
+                      <a:pPr algn="ctr" fontAlgn="b"/>
+                      <a:r>
+                        <a:rPr lang="pt-BR" sz="1600" b="0" i="0" u="none" strike="noStrike" dirty="0">
+                          <a:solidFill>
+                            <a:srgbClr val="000000"/>
+                          </a:solidFill>
+                          <a:effectLst/>
+                          <a:latin typeface="Arial" panose="020B0604020202020204" pitchFamily="34" charset="0"/>
+                          <a:cs typeface="Arial" panose="020B0604020202020204" pitchFamily="34" charset="0"/>
+                        </a:rPr>
+                        <a:t>Essencial</a:t>
+                      </a:r>
+                    </a:p>
+                  </a:txBody>
+                  <a:tcPr marL="9525" marR="9525" marT="9525" marB="0" anchor="b"/>
+                </a:tc>
+                <a:tc>
+                  <a:txBody>
+                    <a:bodyPr/>
+                    <a:lstStyle/>
+                    <a:p>
+                      <a:pPr algn="ctr"/>
+                      <a:r>
+                        <a:rPr lang="pt-BR" sz="1600" dirty="0">
+                          <a:latin typeface="Arial" panose="020B0604020202020204" pitchFamily="34" charset="0"/>
+                          <a:cs typeface="Arial" panose="020B0604020202020204" pitchFamily="34" charset="0"/>
+                        </a:rPr>
+                        <a:t>1</a:t>
+                      </a:r>
+                    </a:p>
+                  </a:txBody>
+                  <a:tcPr/>
+                </a:tc>
+                <a:extLst>
+                  <a:ext uri="{0D108BD9-81ED-4DB2-BD59-A6C34878D82A}">
+                    <a16:rowId xmlns:a16="http://schemas.microsoft.com/office/drawing/2014/main" val="1785239419"/>
+                  </a:ext>
+                </a:extLst>
+              </a:tr>
+              <a:tr h="448002">
+                <a:tc>
+                  <a:txBody>
+                    <a:bodyPr/>
+                    <a:lstStyle/>
+                    <a:p>
+                      <a:pPr algn="ctr" fontAlgn="b"/>
+                      <a:r>
+                        <a:rPr lang="pt-BR" sz="1600" b="0" i="0" u="none" strike="noStrike" dirty="0">
+                          <a:solidFill>
+                            <a:srgbClr val="000000"/>
+                          </a:solidFill>
+                          <a:effectLst/>
+                          <a:latin typeface="Arial" panose="020B0604020202020204" pitchFamily="34" charset="0"/>
+                          <a:cs typeface="Arial" panose="020B0604020202020204" pitchFamily="34" charset="0"/>
+                        </a:rPr>
+                        <a:t>PPT apresentação</a:t>
+                      </a:r>
+                    </a:p>
+                  </a:txBody>
+                  <a:tcPr marL="9525" marR="9525" marT="9525" marB="0" anchor="b"/>
+                </a:tc>
+                <a:tc>
+                  <a:txBody>
+                    <a:bodyPr/>
+                    <a:lstStyle/>
+                    <a:p>
+                      <a:pPr algn="ctr" fontAlgn="b"/>
+                      <a:r>
+                        <a:rPr lang="pt-BR" sz="1600" b="0" i="0" u="none" strike="noStrike" dirty="0">
+                          <a:solidFill>
+                            <a:srgbClr val="000000"/>
+                          </a:solidFill>
+                          <a:effectLst/>
+                          <a:latin typeface="Arial" panose="020B0604020202020204" pitchFamily="34" charset="0"/>
+                          <a:cs typeface="Arial" panose="020B0604020202020204" pitchFamily="34" charset="0"/>
+                        </a:rPr>
+                        <a:t>Essencial</a:t>
+                      </a:r>
+                    </a:p>
+                  </a:txBody>
+                  <a:tcPr marL="9525" marR="9525" marT="9525" marB="0" anchor="b"/>
+                </a:tc>
+                <a:tc>
+                  <a:txBody>
+                    <a:bodyPr/>
+                    <a:lstStyle/>
+                    <a:p>
+                      <a:pPr algn="ctr"/>
+                      <a:r>
+                        <a:rPr lang="pt-BR" sz="1600" dirty="0">
+                          <a:latin typeface="Arial" panose="020B0604020202020204" pitchFamily="34" charset="0"/>
+                          <a:cs typeface="Arial" panose="020B0604020202020204" pitchFamily="34" charset="0"/>
+                        </a:rPr>
+                        <a:t>1</a:t>
+                      </a:r>
+                    </a:p>
+                  </a:txBody>
+                  <a:tcPr/>
+                </a:tc>
+                <a:extLst>
+                  <a:ext uri="{0D108BD9-81ED-4DB2-BD59-A6C34878D82A}">
+                    <a16:rowId xmlns:a16="http://schemas.microsoft.com/office/drawing/2014/main" val="1642703768"/>
+                  </a:ext>
+                </a:extLst>
+              </a:tr>
+              <a:tr h="448002">
+                <a:tc>
+                  <a:txBody>
+                    <a:bodyPr/>
+                    <a:lstStyle/>
+                    <a:p>
+                      <a:pPr algn="ctr" fontAlgn="b"/>
+                      <a:r>
+                        <a:rPr lang="pt-BR" sz="1600" b="0" i="0" u="none" strike="noStrike" dirty="0">
+                          <a:solidFill>
+                            <a:srgbClr val="000000"/>
+                          </a:solidFill>
+                          <a:effectLst/>
+                          <a:latin typeface="Arial" panose="020B0604020202020204" pitchFamily="34" charset="0"/>
+                          <a:cs typeface="Arial" panose="020B0604020202020204" pitchFamily="34" charset="0"/>
+                        </a:rPr>
+                        <a:t>LLD</a:t>
+                      </a:r>
+                    </a:p>
+                  </a:txBody>
+                  <a:tcPr marL="9525" marR="9525" marT="9525" marB="0" anchor="b"/>
+                </a:tc>
+                <a:tc>
+                  <a:txBody>
+                    <a:bodyPr/>
+                    <a:lstStyle/>
+                    <a:p>
+                      <a:pPr algn="ctr" fontAlgn="b"/>
+                      <a:r>
+                        <a:rPr lang="pt-BR" sz="1600" b="0" i="0" u="none" strike="noStrike" dirty="0">
+                          <a:solidFill>
+                            <a:srgbClr val="000000"/>
+                          </a:solidFill>
+                          <a:effectLst/>
+                          <a:latin typeface="Arial" panose="020B0604020202020204" pitchFamily="34" charset="0"/>
+                          <a:cs typeface="Arial" panose="020B0604020202020204" pitchFamily="34" charset="0"/>
+                        </a:rPr>
+                        <a:t>Essencial</a:t>
+                      </a:r>
+                    </a:p>
+                  </a:txBody>
+                  <a:tcPr marL="9525" marR="9525" marT="9525" marB="0" anchor="b"/>
+                </a:tc>
+                <a:tc>
+                  <a:txBody>
+                    <a:bodyPr/>
+                    <a:lstStyle/>
+                    <a:p>
+                      <a:pPr algn="ctr"/>
+                      <a:r>
+                        <a:rPr lang="pt-BR" sz="1600" dirty="0">
+                          <a:latin typeface="Arial" panose="020B0604020202020204" pitchFamily="34" charset="0"/>
+                          <a:cs typeface="Arial" panose="020B0604020202020204" pitchFamily="34" charset="0"/>
+                        </a:rPr>
+                        <a:t>2</a:t>
+                      </a:r>
+                    </a:p>
+                  </a:txBody>
+                  <a:tcPr/>
+                </a:tc>
+                <a:extLst>
+                  <a:ext uri="{0D108BD9-81ED-4DB2-BD59-A6C34878D82A}">
+                    <a16:rowId xmlns:a16="http://schemas.microsoft.com/office/drawing/2014/main" val="2451546730"/>
+                  </a:ext>
+                </a:extLst>
+              </a:tr>
+              <a:tr h="448002">
+                <a:tc>
+                  <a:txBody>
+                    <a:bodyPr/>
+                    <a:lstStyle/>
+                    <a:p>
+                      <a:pPr algn="ctr" fontAlgn="b"/>
+                      <a:r>
+                        <a:rPr lang="pt-BR" sz="1600" b="0" i="0" u="none" strike="noStrike" dirty="0">
+                          <a:solidFill>
+                            <a:srgbClr val="000000"/>
+                          </a:solidFill>
+                          <a:effectLst/>
+                          <a:latin typeface="Arial" panose="020B0604020202020204" pitchFamily="34" charset="0"/>
+                          <a:cs typeface="Arial" panose="020B0604020202020204" pitchFamily="34" charset="0"/>
+                        </a:rPr>
+                        <a:t>HLD</a:t>
+                      </a:r>
+                    </a:p>
+                  </a:txBody>
+                  <a:tcPr marL="9525" marR="9525" marT="9525" marB="0" anchor="b"/>
+                </a:tc>
+                <a:tc>
+                  <a:txBody>
+                    <a:bodyPr/>
+                    <a:lstStyle/>
+                    <a:p>
+                      <a:pPr algn="ctr" fontAlgn="b"/>
+                      <a:r>
+                        <a:rPr lang="pt-BR" sz="1600" b="0" i="0" u="none" strike="noStrike" dirty="0">
+                          <a:solidFill>
+                            <a:srgbClr val="000000"/>
+                          </a:solidFill>
+                          <a:effectLst/>
+                          <a:latin typeface="Arial" panose="020B0604020202020204" pitchFamily="34" charset="0"/>
+                          <a:cs typeface="Arial" panose="020B0604020202020204" pitchFamily="34" charset="0"/>
+                        </a:rPr>
+                        <a:t>Essencial</a:t>
+                      </a:r>
+                    </a:p>
+                  </a:txBody>
+                  <a:tcPr marL="9525" marR="9525" marT="9525" marB="0" anchor="b"/>
+                </a:tc>
+                <a:tc>
+                  <a:txBody>
+                    <a:bodyPr/>
+                    <a:lstStyle/>
+                    <a:p>
+                      <a:pPr algn="ctr"/>
+                      <a:r>
+                        <a:rPr lang="pt-BR" sz="1600" dirty="0">
+                          <a:latin typeface="Arial" panose="020B0604020202020204" pitchFamily="34" charset="0"/>
+                          <a:cs typeface="Arial" panose="020B0604020202020204" pitchFamily="34" charset="0"/>
+                        </a:rPr>
+                        <a:t>2</a:t>
+                      </a:r>
+                    </a:p>
+                  </a:txBody>
+                  <a:tcPr/>
+                </a:tc>
+                <a:extLst>
+                  <a:ext uri="{0D108BD9-81ED-4DB2-BD59-A6C34878D82A}">
+                    <a16:rowId xmlns:a16="http://schemas.microsoft.com/office/drawing/2014/main" val="1823663120"/>
+                  </a:ext>
+                </a:extLst>
+              </a:tr>
+              <a:tr h="448002">
+                <a:tc>
+                  <a:txBody>
+                    <a:bodyPr/>
+                    <a:lstStyle/>
+                    <a:p>
+                      <a:pPr algn="ctr" fontAlgn="b"/>
+                      <a:r>
+                        <a:rPr lang="pt-BR" sz="1600" b="0" i="0" u="none" strike="noStrike" dirty="0">
+                          <a:solidFill>
+                            <a:srgbClr val="000000"/>
+                          </a:solidFill>
+                          <a:effectLst/>
+                          <a:latin typeface="Arial" panose="020B0604020202020204" pitchFamily="34" charset="0"/>
+                          <a:cs typeface="Arial" panose="020B0604020202020204" pitchFamily="34" charset="0"/>
+                        </a:rPr>
+                        <a:t>Cadastro/Login do site</a:t>
+                      </a:r>
+                    </a:p>
+                  </a:txBody>
+                  <a:tcPr marL="9525" marR="9525" marT="9525" marB="0" anchor="b"/>
+                </a:tc>
+                <a:tc>
+                  <a:txBody>
+                    <a:bodyPr/>
+                    <a:lstStyle/>
+                    <a:p>
+                      <a:pPr algn="ctr" fontAlgn="b"/>
+                      <a:r>
+                        <a:rPr lang="pt-BR" sz="1600" b="0" i="0" u="none" strike="noStrike" dirty="0">
+                          <a:solidFill>
+                            <a:srgbClr val="000000"/>
+                          </a:solidFill>
+                          <a:effectLst/>
+                          <a:latin typeface="Arial" panose="020B0604020202020204" pitchFamily="34" charset="0"/>
+                          <a:cs typeface="Arial" panose="020B0604020202020204" pitchFamily="34" charset="0"/>
+                        </a:rPr>
+                        <a:t>Essencial</a:t>
+                      </a:r>
+                    </a:p>
+                  </a:txBody>
+                  <a:tcPr marL="9525" marR="9525" marT="9525" marB="0" anchor="b"/>
+                </a:tc>
+                <a:tc>
+                  <a:txBody>
+                    <a:bodyPr/>
+                    <a:lstStyle/>
+                    <a:p>
+                      <a:pPr algn="ctr"/>
+                      <a:r>
+                        <a:rPr lang="pt-BR" sz="1600" dirty="0">
+                          <a:latin typeface="Arial" panose="020B0604020202020204" pitchFamily="34" charset="0"/>
+                          <a:cs typeface="Arial" panose="020B0604020202020204" pitchFamily="34" charset="0"/>
+                        </a:rPr>
+                        <a:t>2</a:t>
+                      </a:r>
+                    </a:p>
+                  </a:txBody>
+                  <a:tcPr/>
+                </a:tc>
+                <a:extLst>
+                  <a:ext uri="{0D108BD9-81ED-4DB2-BD59-A6C34878D82A}">
+                    <a16:rowId xmlns:a16="http://schemas.microsoft.com/office/drawing/2014/main" val="1828260107"/>
+                  </a:ext>
+                </a:extLst>
+              </a:tr>
+              <a:tr h="448002">
+                <a:tc>
+                  <a:txBody>
+                    <a:bodyPr/>
+                    <a:lstStyle/>
+                    <a:p>
+                      <a:pPr algn="ctr" fontAlgn="b"/>
+                      <a:r>
+                        <a:rPr lang="pt-BR" sz="1600" b="0" i="0" u="none" strike="noStrike" dirty="0">
+                          <a:solidFill>
+                            <a:srgbClr val="000000"/>
+                          </a:solidFill>
+                          <a:effectLst/>
+                          <a:latin typeface="Arial" panose="020B0604020202020204" pitchFamily="34" charset="0"/>
+                          <a:cs typeface="Arial" panose="020B0604020202020204" pitchFamily="34" charset="0"/>
+                        </a:rPr>
+                        <a:t>Site institucional</a:t>
+                      </a:r>
+                    </a:p>
+                  </a:txBody>
+                  <a:tcPr marL="9525" marR="9525" marT="9525" marB="0" anchor="b"/>
+                </a:tc>
+                <a:tc>
+                  <a:txBody>
+                    <a:bodyPr/>
+                    <a:lstStyle/>
+                    <a:p>
+                      <a:pPr algn="ctr" fontAlgn="b"/>
+                      <a:r>
+                        <a:rPr lang="pt-BR" sz="1600" b="0" i="0" u="none" strike="noStrike" dirty="0">
+                          <a:solidFill>
+                            <a:srgbClr val="000000"/>
+                          </a:solidFill>
+                          <a:effectLst/>
+                          <a:latin typeface="Arial" panose="020B0604020202020204" pitchFamily="34" charset="0"/>
+                          <a:cs typeface="Arial" panose="020B0604020202020204" pitchFamily="34" charset="0"/>
+                        </a:rPr>
+                        <a:t>Essencial</a:t>
+                      </a:r>
+                    </a:p>
+                  </a:txBody>
+                  <a:tcPr marL="9525" marR="9525" marT="9525" marB="0" anchor="b"/>
+                </a:tc>
+                <a:tc>
+                  <a:txBody>
+                    <a:bodyPr/>
+                    <a:lstStyle/>
+                    <a:p>
+                      <a:pPr algn="ctr"/>
+                      <a:r>
+                        <a:rPr lang="pt-BR" sz="1600" dirty="0">
+                          <a:latin typeface="Arial" panose="020B0604020202020204" pitchFamily="34" charset="0"/>
+                          <a:cs typeface="Arial" panose="020B0604020202020204" pitchFamily="34" charset="0"/>
+                        </a:rPr>
+                        <a:t>2</a:t>
+                      </a:r>
+                    </a:p>
+                  </a:txBody>
+                  <a:tcPr/>
+                </a:tc>
+                <a:extLst>
+                  <a:ext uri="{0D108BD9-81ED-4DB2-BD59-A6C34878D82A}">
+                    <a16:rowId xmlns:a16="http://schemas.microsoft.com/office/drawing/2014/main" val="3015601724"/>
+                  </a:ext>
+                </a:extLst>
+              </a:tr>
+              <a:tr h="448002">
+                <a:tc>
+                  <a:txBody>
+                    <a:bodyPr/>
+                    <a:lstStyle/>
+                    <a:p>
+                      <a:pPr algn="ctr" fontAlgn="b"/>
+                      <a:r>
+                        <a:rPr lang="pt-BR" sz="1600" b="0" i="0" u="none" strike="noStrike" dirty="0">
+                          <a:solidFill>
+                            <a:srgbClr val="000000"/>
+                          </a:solidFill>
+                          <a:effectLst/>
+                          <a:latin typeface="Arial" panose="020B0604020202020204" pitchFamily="34" charset="0"/>
+                          <a:cs typeface="Arial" panose="020B0604020202020204" pitchFamily="34" charset="0"/>
+                        </a:rPr>
+                        <a:t>Barra de menu</a:t>
+                      </a:r>
+                    </a:p>
+                  </a:txBody>
+                  <a:tcPr marL="9525" marR="9525" marT="9525" marB="0" anchor="b"/>
+                </a:tc>
+                <a:tc>
+                  <a:txBody>
+                    <a:bodyPr/>
+                    <a:lstStyle/>
+                    <a:p>
+                      <a:pPr algn="ctr" fontAlgn="b"/>
+                      <a:r>
+                        <a:rPr lang="pt-BR" sz="1600" b="0" i="0" u="none" strike="noStrike" dirty="0">
+                          <a:solidFill>
+                            <a:srgbClr val="000000"/>
+                          </a:solidFill>
+                          <a:effectLst/>
+                          <a:latin typeface="Arial" panose="020B0604020202020204" pitchFamily="34" charset="0"/>
+                          <a:cs typeface="Arial" panose="020B0604020202020204" pitchFamily="34" charset="0"/>
+                        </a:rPr>
+                        <a:t>Importante</a:t>
+                      </a:r>
+                    </a:p>
+                  </a:txBody>
+                  <a:tcPr marL="9525" marR="9525" marT="9525" marB="0" anchor="b"/>
+                </a:tc>
+                <a:tc>
+                  <a:txBody>
+                    <a:bodyPr/>
+                    <a:lstStyle/>
+                    <a:p>
+                      <a:pPr algn="ctr"/>
+                      <a:r>
+                        <a:rPr lang="pt-BR" sz="1600" dirty="0">
+                          <a:latin typeface="Arial" panose="020B0604020202020204" pitchFamily="34" charset="0"/>
+                          <a:cs typeface="Arial" panose="020B0604020202020204" pitchFamily="34" charset="0"/>
+                        </a:rPr>
+                        <a:t>2</a:t>
+                      </a:r>
+                    </a:p>
+                  </a:txBody>
+                  <a:tcPr/>
+                </a:tc>
+                <a:extLst>
+                  <a:ext uri="{0D108BD9-81ED-4DB2-BD59-A6C34878D82A}">
+                    <a16:rowId xmlns:a16="http://schemas.microsoft.com/office/drawing/2014/main" val="3433124715"/>
+                  </a:ext>
+                </a:extLst>
+              </a:tr>
+            </a:tbl>
+          </a:graphicData>
+        </a:graphic>
+      </p:graphicFrame>
+      <p:graphicFrame>
+        <p:nvGraphicFramePr>
+          <p:cNvPr id="13" name="Tabela 4">
+            <a:extLst>
+              <a:ext uri="{FF2B5EF4-FFF2-40B4-BE49-F238E27FC236}">
+                <a16:creationId xmlns:a16="http://schemas.microsoft.com/office/drawing/2014/main" id="{FAA9D998-F6D9-4100-A786-820BC53A402B}"/>
+              </a:ext>
+            </a:extLst>
+          </p:cNvPr>
+          <p:cNvGraphicFramePr>
+            <a:graphicFrameLocks noGrp="1"/>
+          </p:cNvGraphicFramePr>
+          <p:nvPr>
+            <p:extLst>
+              <p:ext uri="{D42A27DB-BD31-4B8C-83A1-F6EECF244321}">
+                <p14:modId xmlns:p14="http://schemas.microsoft.com/office/powerpoint/2010/main" val="1117139986"/>
+              </p:ext>
+            </p:extLst>
+          </p:nvPr>
+        </p:nvGraphicFramePr>
+        <p:xfrm>
+          <a:off x="5846634" y="809375"/>
+          <a:ext cx="6235200" cy="5956782"/>
+        </p:xfrm>
+        <a:graphic>
+          <a:graphicData uri="http://schemas.openxmlformats.org/drawingml/2006/table">
+            <a:tbl>
+              <a:tblPr firstRow="1" bandRow="1">
+                <a:tableStyleId>{5C22544A-7EE6-4342-B048-85BDC9FD1C3A}</a:tableStyleId>
+              </a:tblPr>
+              <a:tblGrid>
+                <a:gridCol w="3388695">
+                  <a:extLst>
+                    <a:ext uri="{9D8B030D-6E8A-4147-A177-3AD203B41FA5}">
+                      <a16:colId xmlns:a16="http://schemas.microsoft.com/office/drawing/2014/main" val="1210356655"/>
+                    </a:ext>
+                  </a:extLst>
+                </a:gridCol>
+                <a:gridCol w="1695790">
+                  <a:extLst>
+                    <a:ext uri="{9D8B030D-6E8A-4147-A177-3AD203B41FA5}">
+                      <a16:colId xmlns:a16="http://schemas.microsoft.com/office/drawing/2014/main" val="1574228410"/>
+                    </a:ext>
+                  </a:extLst>
+                </a:gridCol>
+                <a:gridCol w="1150715">
+                  <a:extLst>
+                    <a:ext uri="{9D8B030D-6E8A-4147-A177-3AD203B41FA5}">
+                      <a16:colId xmlns:a16="http://schemas.microsoft.com/office/drawing/2014/main" val="1142365012"/>
+                    </a:ext>
+                  </a:extLst>
+                </a:gridCol>
+              </a:tblGrid>
+              <a:tr h="441666">
+                <a:tc>
+                  <a:txBody>
+                    <a:bodyPr/>
+                    <a:lstStyle/>
+                    <a:p>
+                      <a:r>
+                        <a:rPr lang="pt-BR" dirty="0"/>
+                        <a:t>Requisito</a:t>
+                      </a:r>
+                    </a:p>
+                  </a:txBody>
+                  <a:tcPr/>
+                </a:tc>
+                <a:tc>
+                  <a:txBody>
+                    <a:bodyPr/>
+                    <a:lstStyle/>
+                    <a:p>
+                      <a:r>
+                        <a:rPr lang="pt-BR" dirty="0"/>
+                        <a:t>Classificação</a:t>
+                      </a:r>
+                    </a:p>
+                  </a:txBody>
+                  <a:tcPr/>
+                </a:tc>
+                <a:tc>
+                  <a:txBody>
+                    <a:bodyPr/>
+                    <a:lstStyle/>
+                    <a:p>
+                      <a:r>
+                        <a:rPr lang="pt-BR" dirty="0"/>
+                        <a:t>Sprint</a:t>
+                      </a:r>
+                    </a:p>
+                  </a:txBody>
+                  <a:tcPr/>
+                </a:tc>
+                <a:extLst>
+                  <a:ext uri="{0D108BD9-81ED-4DB2-BD59-A6C34878D82A}">
+                    <a16:rowId xmlns:a16="http://schemas.microsoft.com/office/drawing/2014/main" val="2939056427"/>
+                  </a:ext>
+                </a:extLst>
+              </a:tr>
+              <a:tr h="441666">
+                <a:tc>
+                  <a:txBody>
+                    <a:bodyPr/>
+                    <a:lstStyle/>
+                    <a:p>
+                      <a:pPr algn="ctr" fontAlgn="b"/>
+                      <a:r>
+                        <a:rPr lang="pt-BR" sz="1600" b="0" i="0" u="none" strike="noStrike" dirty="0">
+                          <a:solidFill>
+                            <a:srgbClr val="000000"/>
+                          </a:solidFill>
+                          <a:effectLst/>
+                          <a:latin typeface="Arial" panose="020B0604020202020204" pitchFamily="34" charset="0"/>
+                          <a:cs typeface="Arial" panose="020B0604020202020204" pitchFamily="34" charset="0"/>
+                        </a:rPr>
+                        <a:t>Rodapé</a:t>
+                      </a:r>
+                    </a:p>
+                  </a:txBody>
+                  <a:tcPr marL="9525" marR="9525" marT="9525" marB="0" anchor="b"/>
+                </a:tc>
+                <a:tc>
+                  <a:txBody>
+                    <a:bodyPr/>
+                    <a:lstStyle/>
+                    <a:p>
+                      <a:pPr algn="ctr" fontAlgn="b"/>
+                      <a:r>
+                        <a:rPr lang="pt-BR" sz="1600" b="0" i="0" u="none" strike="noStrike" dirty="0">
+                          <a:solidFill>
+                            <a:srgbClr val="000000"/>
+                          </a:solidFill>
+                          <a:effectLst/>
+                          <a:latin typeface="Arial" panose="020B0604020202020204" pitchFamily="34" charset="0"/>
+                          <a:cs typeface="Arial" panose="020B0604020202020204" pitchFamily="34" charset="0"/>
+                        </a:rPr>
+                        <a:t>Desejável</a:t>
+                      </a:r>
+                    </a:p>
+                  </a:txBody>
+                  <a:tcPr marL="9525" marR="9525" marT="9525" marB="0" anchor="b"/>
+                </a:tc>
+                <a:tc>
+                  <a:txBody>
+                    <a:bodyPr/>
+                    <a:lstStyle/>
+                    <a:p>
+                      <a:pPr algn="ctr"/>
+                      <a:r>
+                        <a:rPr lang="pt-BR" sz="1600" dirty="0">
+                          <a:latin typeface="Arial" panose="020B0604020202020204" pitchFamily="34" charset="0"/>
+                          <a:cs typeface="Arial" panose="020B0604020202020204" pitchFamily="34" charset="0"/>
+                        </a:rPr>
+                        <a:t>2</a:t>
+                      </a:r>
+                    </a:p>
+                  </a:txBody>
+                  <a:tcPr/>
+                </a:tc>
+                <a:extLst>
+                  <a:ext uri="{0D108BD9-81ED-4DB2-BD59-A6C34878D82A}">
+                    <a16:rowId xmlns:a16="http://schemas.microsoft.com/office/drawing/2014/main" val="2945394638"/>
+                  </a:ext>
+                </a:extLst>
+              </a:tr>
+              <a:tr h="441666">
+                <a:tc>
+                  <a:txBody>
+                    <a:bodyPr/>
+                    <a:lstStyle/>
+                    <a:p>
+                      <a:pPr algn="ctr" fontAlgn="b"/>
+                      <a:r>
+                        <a:rPr lang="pt-BR" sz="1600" b="0" i="0" u="none" strike="noStrike" dirty="0">
+                          <a:solidFill>
+                            <a:srgbClr val="000000"/>
+                          </a:solidFill>
+                          <a:effectLst/>
+                          <a:latin typeface="Arial" panose="020B0604020202020204" pitchFamily="34" charset="0"/>
+                          <a:cs typeface="Arial" panose="020B0604020202020204" pitchFamily="34" charset="0"/>
+                        </a:rPr>
+                        <a:t>Suporte/Feedback do cliente</a:t>
+                      </a:r>
+                    </a:p>
+                  </a:txBody>
+                  <a:tcPr marL="9525" marR="9525" marT="9525" marB="0" anchor="b"/>
+                </a:tc>
+                <a:tc>
+                  <a:txBody>
+                    <a:bodyPr/>
+                    <a:lstStyle/>
+                    <a:p>
+                      <a:pPr algn="ctr" fontAlgn="b"/>
+                      <a:r>
+                        <a:rPr lang="pt-BR" sz="1600" b="0" i="0" u="none" strike="noStrike" dirty="0">
+                          <a:solidFill>
+                            <a:srgbClr val="000000"/>
+                          </a:solidFill>
+                          <a:effectLst/>
+                          <a:latin typeface="Arial" panose="020B0604020202020204" pitchFamily="34" charset="0"/>
+                          <a:cs typeface="Arial" panose="020B0604020202020204" pitchFamily="34" charset="0"/>
+                        </a:rPr>
+                        <a:t>Desejável</a:t>
+                      </a:r>
+                    </a:p>
+                  </a:txBody>
+                  <a:tcPr marL="9525" marR="9525" marT="9525" marB="0" anchor="b"/>
+                </a:tc>
+                <a:tc>
+                  <a:txBody>
+                    <a:bodyPr/>
+                    <a:lstStyle/>
+                    <a:p>
+                      <a:pPr algn="ctr"/>
+                      <a:r>
+                        <a:rPr lang="pt-BR" sz="1600" dirty="0">
+                          <a:latin typeface="Arial" panose="020B0604020202020204" pitchFamily="34" charset="0"/>
+                          <a:cs typeface="Arial" panose="020B0604020202020204" pitchFamily="34" charset="0"/>
+                        </a:rPr>
+                        <a:t>2</a:t>
+                      </a:r>
+                    </a:p>
+                  </a:txBody>
+                  <a:tcPr/>
+                </a:tc>
+                <a:extLst>
+                  <a:ext uri="{0D108BD9-81ED-4DB2-BD59-A6C34878D82A}">
+                    <a16:rowId xmlns:a16="http://schemas.microsoft.com/office/drawing/2014/main" val="1106172379"/>
+                  </a:ext>
+                </a:extLst>
+              </a:tr>
+              <a:tr h="441666">
+                <a:tc>
+                  <a:txBody>
+                    <a:bodyPr/>
+                    <a:lstStyle/>
+                    <a:p>
+                      <a:pPr algn="ctr" fontAlgn="b"/>
+                      <a:r>
+                        <a:rPr lang="pt-BR" sz="1600" b="0" i="0" u="none" strike="noStrike" dirty="0">
+                          <a:solidFill>
+                            <a:srgbClr val="000000"/>
+                          </a:solidFill>
+                          <a:effectLst/>
+                          <a:latin typeface="Arial" panose="020B0604020202020204" pitchFamily="34" charset="0"/>
+                          <a:cs typeface="Arial" panose="020B0604020202020204" pitchFamily="34" charset="0"/>
+                        </a:rPr>
+                        <a:t>Gráficos no Site</a:t>
+                      </a:r>
+                    </a:p>
+                  </a:txBody>
+                  <a:tcPr marL="9525" marR="9525" marT="9525" marB="0" anchor="b"/>
+                </a:tc>
+                <a:tc>
+                  <a:txBody>
+                    <a:bodyPr/>
+                    <a:lstStyle/>
+                    <a:p>
+                      <a:pPr algn="ctr" fontAlgn="b"/>
+                      <a:r>
+                        <a:rPr lang="pt-BR" sz="1600" b="0" i="0" u="none" strike="noStrike" dirty="0">
+                          <a:solidFill>
+                            <a:srgbClr val="000000"/>
+                          </a:solidFill>
+                          <a:effectLst/>
+                          <a:latin typeface="Arial" panose="020B0604020202020204" pitchFamily="34" charset="0"/>
+                          <a:cs typeface="Arial" panose="020B0604020202020204" pitchFamily="34" charset="0"/>
+                        </a:rPr>
+                        <a:t>Essencial</a:t>
+                      </a:r>
+                    </a:p>
+                  </a:txBody>
+                  <a:tcPr marL="9525" marR="9525" marT="9525" marB="0" anchor="b"/>
+                </a:tc>
+                <a:tc>
+                  <a:txBody>
+                    <a:bodyPr/>
+                    <a:lstStyle/>
+                    <a:p>
+                      <a:pPr algn="ctr"/>
+                      <a:r>
+                        <a:rPr lang="pt-BR" sz="1600" dirty="0">
+                          <a:latin typeface="Arial" panose="020B0604020202020204" pitchFamily="34" charset="0"/>
+                          <a:cs typeface="Arial" panose="020B0604020202020204" pitchFamily="34" charset="0"/>
+                        </a:rPr>
+                        <a:t>2</a:t>
+                      </a:r>
+                    </a:p>
+                  </a:txBody>
+                  <a:tcPr/>
+                </a:tc>
+                <a:extLst>
+                  <a:ext uri="{0D108BD9-81ED-4DB2-BD59-A6C34878D82A}">
+                    <a16:rowId xmlns:a16="http://schemas.microsoft.com/office/drawing/2014/main" val="414202941"/>
+                  </a:ext>
+                </a:extLst>
+              </a:tr>
+              <a:tr h="441666">
+                <a:tc>
+                  <a:txBody>
+                    <a:bodyPr/>
+                    <a:lstStyle/>
+                    <a:p>
+                      <a:pPr algn="ctr" fontAlgn="b"/>
+                      <a:r>
+                        <a:rPr lang="pt-BR" sz="1600" b="0" i="0" u="none" strike="noStrike" dirty="0">
+                          <a:solidFill>
+                            <a:srgbClr val="000000"/>
+                          </a:solidFill>
+                          <a:effectLst/>
+                          <a:latin typeface="Arial" panose="020B0604020202020204" pitchFamily="34" charset="0"/>
+                          <a:cs typeface="Arial" panose="020B0604020202020204" pitchFamily="34" charset="0"/>
+                        </a:rPr>
+                        <a:t>aba de perfil para o cliente</a:t>
+                      </a:r>
+                    </a:p>
+                  </a:txBody>
+                  <a:tcPr marL="9525" marR="9525" marT="9525" marB="0" anchor="b"/>
+                </a:tc>
+                <a:tc>
+                  <a:txBody>
+                    <a:bodyPr/>
+                    <a:lstStyle/>
+                    <a:p>
+                      <a:pPr algn="ctr" fontAlgn="b"/>
+                      <a:r>
+                        <a:rPr lang="pt-BR" sz="1600" b="0" i="0" u="none" strike="noStrike" dirty="0">
+                          <a:solidFill>
+                            <a:srgbClr val="000000"/>
+                          </a:solidFill>
+                          <a:effectLst/>
+                          <a:latin typeface="Arial" panose="020B0604020202020204" pitchFamily="34" charset="0"/>
+                          <a:cs typeface="Arial" panose="020B0604020202020204" pitchFamily="34" charset="0"/>
+                        </a:rPr>
+                        <a:t>Essencial</a:t>
+                      </a:r>
+                    </a:p>
+                  </a:txBody>
+                  <a:tcPr marL="9525" marR="9525" marT="9525" marB="0" anchor="b"/>
+                </a:tc>
+                <a:tc>
+                  <a:txBody>
+                    <a:bodyPr/>
+                    <a:lstStyle/>
+                    <a:p>
+                      <a:pPr algn="ctr"/>
+                      <a:r>
+                        <a:rPr lang="pt-BR" sz="1600" dirty="0">
+                          <a:latin typeface="Arial" panose="020B0604020202020204" pitchFamily="34" charset="0"/>
+                          <a:cs typeface="Arial" panose="020B0604020202020204" pitchFamily="34" charset="0"/>
+                        </a:rPr>
+                        <a:t>2</a:t>
+                      </a:r>
+                    </a:p>
+                  </a:txBody>
+                  <a:tcPr/>
+                </a:tc>
+                <a:extLst>
+                  <a:ext uri="{0D108BD9-81ED-4DB2-BD59-A6C34878D82A}">
+                    <a16:rowId xmlns:a16="http://schemas.microsoft.com/office/drawing/2014/main" val="635885015"/>
+                  </a:ext>
+                </a:extLst>
+              </a:tr>
+              <a:tr h="490173">
+                <a:tc>
+                  <a:txBody>
+                    <a:bodyPr/>
+                    <a:lstStyle/>
+                    <a:p>
+                      <a:pPr algn="ctr" fontAlgn="b"/>
+                      <a:r>
+                        <a:rPr lang="pt-BR" sz="1600" b="0" i="0" u="none" strike="noStrike" dirty="0">
+                          <a:solidFill>
+                            <a:srgbClr val="000000"/>
+                          </a:solidFill>
+                          <a:effectLst/>
+                          <a:latin typeface="Arial" panose="020B0604020202020204" pitchFamily="34" charset="0"/>
+                          <a:cs typeface="Arial" panose="020B0604020202020204" pitchFamily="34" charset="0"/>
+                        </a:rPr>
+                        <a:t>Os dados do site deve se basear no BD</a:t>
+                      </a:r>
+                    </a:p>
+                  </a:txBody>
+                  <a:tcPr marL="9525" marR="9525" marT="9525" marB="0" anchor="b"/>
+                </a:tc>
+                <a:tc>
+                  <a:txBody>
+                    <a:bodyPr/>
+                    <a:lstStyle/>
+                    <a:p>
+                      <a:pPr algn="ctr" fontAlgn="b"/>
+                      <a:r>
+                        <a:rPr lang="pt-BR" sz="1600" b="0" i="0" u="none" strike="noStrike" dirty="0">
+                          <a:solidFill>
+                            <a:srgbClr val="000000"/>
+                          </a:solidFill>
+                          <a:effectLst/>
+                          <a:latin typeface="Arial" panose="020B0604020202020204" pitchFamily="34" charset="0"/>
+                          <a:cs typeface="Arial" panose="020B0604020202020204" pitchFamily="34" charset="0"/>
+                        </a:rPr>
+                        <a:t>Essencial</a:t>
+                      </a:r>
+                    </a:p>
+                  </a:txBody>
+                  <a:tcPr marL="9525" marR="9525" marT="9525" marB="0" anchor="b"/>
+                </a:tc>
+                <a:tc>
+                  <a:txBody>
+                    <a:bodyPr/>
+                    <a:lstStyle/>
+                    <a:p>
+                      <a:pPr algn="ctr"/>
+                      <a:r>
+                        <a:rPr lang="pt-BR" sz="1600" dirty="0">
+                          <a:latin typeface="Arial" panose="020B0604020202020204" pitchFamily="34" charset="0"/>
+                          <a:cs typeface="Arial" panose="020B0604020202020204" pitchFamily="34" charset="0"/>
+                        </a:rPr>
+                        <a:t>2</a:t>
+                      </a:r>
+                    </a:p>
+                  </a:txBody>
+                  <a:tcPr/>
+                </a:tc>
+                <a:extLst>
+                  <a:ext uri="{0D108BD9-81ED-4DB2-BD59-A6C34878D82A}">
+                    <a16:rowId xmlns:a16="http://schemas.microsoft.com/office/drawing/2014/main" val="275360648"/>
+                  </a:ext>
+                </a:extLst>
+              </a:tr>
+              <a:tr h="490173">
+                <a:tc>
+                  <a:txBody>
+                    <a:bodyPr/>
+                    <a:lstStyle/>
+                    <a:p>
+                      <a:pPr algn="ctr" fontAlgn="b"/>
+                      <a:r>
+                        <a:rPr lang="pt-BR" sz="1600" b="0" i="0" u="none" strike="noStrike" dirty="0">
+                          <a:solidFill>
+                            <a:srgbClr val="000000"/>
+                          </a:solidFill>
+                          <a:effectLst/>
+                          <a:latin typeface="Arial" panose="020B0604020202020204" pitchFamily="34" charset="0"/>
+                          <a:cs typeface="Arial" panose="020B0604020202020204" pitchFamily="34" charset="0"/>
+                        </a:rPr>
+                        <a:t>O sistema deve mandar os dados para o BD</a:t>
+                      </a:r>
+                    </a:p>
+                  </a:txBody>
+                  <a:tcPr marL="9525" marR="9525" marT="9525" marB="0" anchor="b"/>
+                </a:tc>
+                <a:tc>
+                  <a:txBody>
+                    <a:bodyPr/>
+                    <a:lstStyle/>
+                    <a:p>
+                      <a:pPr algn="ctr" fontAlgn="b"/>
+                      <a:r>
+                        <a:rPr lang="pt-BR" sz="1600" b="0" i="0" u="none" strike="noStrike" dirty="0">
+                          <a:solidFill>
+                            <a:srgbClr val="000000"/>
+                          </a:solidFill>
+                          <a:effectLst/>
+                          <a:latin typeface="Arial" panose="020B0604020202020204" pitchFamily="34" charset="0"/>
+                          <a:cs typeface="Arial" panose="020B0604020202020204" pitchFamily="34" charset="0"/>
+                        </a:rPr>
+                        <a:t>Essencial</a:t>
+                      </a:r>
+                    </a:p>
+                  </a:txBody>
+                  <a:tcPr marL="9525" marR="9525" marT="9525" marB="0" anchor="b"/>
+                </a:tc>
+                <a:tc>
+                  <a:txBody>
+                    <a:bodyPr/>
+                    <a:lstStyle/>
+                    <a:p>
+                      <a:pPr algn="ctr"/>
+                      <a:r>
+                        <a:rPr lang="pt-BR" sz="1600" dirty="0">
+                          <a:latin typeface="Arial" panose="020B0604020202020204" pitchFamily="34" charset="0"/>
+                          <a:cs typeface="Arial" panose="020B0604020202020204" pitchFamily="34" charset="0"/>
+                        </a:rPr>
+                        <a:t>2</a:t>
+                      </a:r>
+                    </a:p>
+                  </a:txBody>
+                  <a:tcPr/>
+                </a:tc>
+                <a:extLst>
+                  <a:ext uri="{0D108BD9-81ED-4DB2-BD59-A6C34878D82A}">
+                    <a16:rowId xmlns:a16="http://schemas.microsoft.com/office/drawing/2014/main" val="1785239419"/>
+                  </a:ext>
+                </a:extLst>
+              </a:tr>
+              <a:tr h="441666">
+                <a:tc>
+                  <a:txBody>
+                    <a:bodyPr/>
+                    <a:lstStyle/>
+                    <a:p>
+                      <a:pPr algn="ctr" fontAlgn="b"/>
+                      <a:r>
+                        <a:rPr lang="pt-BR" sz="1600" b="0" i="0" u="none" strike="noStrike" dirty="0">
+                          <a:solidFill>
+                            <a:srgbClr val="000000"/>
+                          </a:solidFill>
+                          <a:effectLst/>
+                          <a:latin typeface="Arial" panose="020B0604020202020204" pitchFamily="34" charset="0"/>
+                          <a:cs typeface="Arial" panose="020B0604020202020204" pitchFamily="34" charset="0"/>
+                        </a:rPr>
+                        <a:t>Manual de instalação</a:t>
+                      </a:r>
+                    </a:p>
+                  </a:txBody>
+                  <a:tcPr marL="9525" marR="9525" marT="9525" marB="0" anchor="b"/>
+                </a:tc>
+                <a:tc>
+                  <a:txBody>
+                    <a:bodyPr/>
+                    <a:lstStyle/>
+                    <a:p>
+                      <a:pPr algn="ctr" fontAlgn="b"/>
+                      <a:r>
+                        <a:rPr lang="pt-BR" sz="1600" b="0" i="0" u="none" strike="noStrike" dirty="0">
+                          <a:solidFill>
+                            <a:srgbClr val="000000"/>
+                          </a:solidFill>
+                          <a:effectLst/>
+                          <a:latin typeface="Arial" panose="020B0604020202020204" pitchFamily="34" charset="0"/>
+                          <a:cs typeface="Arial" panose="020B0604020202020204" pitchFamily="34" charset="0"/>
+                        </a:rPr>
+                        <a:t>Essencial</a:t>
+                      </a:r>
+                    </a:p>
+                  </a:txBody>
+                  <a:tcPr marL="9525" marR="9525" marT="9525" marB="0" anchor="b"/>
+                </a:tc>
+                <a:tc>
+                  <a:txBody>
+                    <a:bodyPr/>
+                    <a:lstStyle/>
+                    <a:p>
+                      <a:pPr algn="ctr"/>
+                      <a:r>
+                        <a:rPr lang="pt-BR" sz="1600" dirty="0">
+                          <a:latin typeface="Arial" panose="020B0604020202020204" pitchFamily="34" charset="0"/>
+                          <a:cs typeface="Arial" panose="020B0604020202020204" pitchFamily="34" charset="0"/>
+                        </a:rPr>
+                        <a:t>3</a:t>
+                      </a:r>
+                    </a:p>
+                  </a:txBody>
+                  <a:tcPr/>
+                </a:tc>
+                <a:extLst>
+                  <a:ext uri="{0D108BD9-81ED-4DB2-BD59-A6C34878D82A}">
+                    <a16:rowId xmlns:a16="http://schemas.microsoft.com/office/drawing/2014/main" val="1642703768"/>
+                  </a:ext>
+                </a:extLst>
+              </a:tr>
+              <a:tr h="441666">
+                <a:tc>
+                  <a:txBody>
+                    <a:bodyPr/>
+                    <a:lstStyle/>
+                    <a:p>
+                      <a:pPr algn="ctr" fontAlgn="b"/>
+                      <a:r>
+                        <a:rPr lang="pt-BR" sz="1600" b="0" i="0" u="none" strike="noStrike" dirty="0">
+                          <a:solidFill>
+                            <a:srgbClr val="000000"/>
+                          </a:solidFill>
+                          <a:effectLst/>
+                          <a:latin typeface="Arial" panose="020B0604020202020204" pitchFamily="34" charset="0"/>
+                          <a:cs typeface="Arial" panose="020B0604020202020204" pitchFamily="34" charset="0"/>
+                        </a:rPr>
+                        <a:t>Ferramenta de Helpdesk</a:t>
+                      </a:r>
+                    </a:p>
+                  </a:txBody>
+                  <a:tcPr marL="9525" marR="9525" marT="9525" marB="0" anchor="b"/>
+                </a:tc>
+                <a:tc>
+                  <a:txBody>
+                    <a:bodyPr/>
+                    <a:lstStyle/>
+                    <a:p>
+                      <a:pPr algn="ctr" fontAlgn="b"/>
+                      <a:r>
+                        <a:rPr lang="pt-BR" sz="1600" b="0" i="0" u="none" strike="noStrike" dirty="0">
+                          <a:solidFill>
+                            <a:srgbClr val="000000"/>
+                          </a:solidFill>
+                          <a:effectLst/>
+                          <a:latin typeface="Arial" panose="020B0604020202020204" pitchFamily="34" charset="0"/>
+                          <a:cs typeface="Arial" panose="020B0604020202020204" pitchFamily="34" charset="0"/>
+                        </a:rPr>
+                        <a:t>Essencial</a:t>
+                      </a:r>
+                    </a:p>
+                  </a:txBody>
+                  <a:tcPr marL="9525" marR="9525" marT="9525" marB="0" anchor="b"/>
+                </a:tc>
+                <a:tc>
+                  <a:txBody>
+                    <a:bodyPr/>
+                    <a:lstStyle/>
+                    <a:p>
+                      <a:pPr algn="ctr"/>
+                      <a:r>
+                        <a:rPr lang="pt-BR" sz="1600" dirty="0">
+                          <a:latin typeface="Arial" panose="020B0604020202020204" pitchFamily="34" charset="0"/>
+                          <a:cs typeface="Arial" panose="020B0604020202020204" pitchFamily="34" charset="0"/>
+                        </a:rPr>
+                        <a:t>3</a:t>
+                      </a:r>
+                    </a:p>
+                  </a:txBody>
+                  <a:tcPr/>
+                </a:tc>
+                <a:extLst>
+                  <a:ext uri="{0D108BD9-81ED-4DB2-BD59-A6C34878D82A}">
+                    <a16:rowId xmlns:a16="http://schemas.microsoft.com/office/drawing/2014/main" val="2451546730"/>
+                  </a:ext>
+                </a:extLst>
+              </a:tr>
+              <a:tr h="441666">
+                <a:tc>
+                  <a:txBody>
+                    <a:bodyPr/>
+                    <a:lstStyle/>
+                    <a:p>
+                      <a:pPr algn="ctr" fontAlgn="b"/>
+                      <a:r>
+                        <a:rPr lang="pt-BR" sz="1600" b="0" i="0" u="none" strike="noStrike" dirty="0">
+                          <a:solidFill>
+                            <a:srgbClr val="000000"/>
+                          </a:solidFill>
+                          <a:effectLst/>
+                          <a:latin typeface="Arial" panose="020B0604020202020204" pitchFamily="34" charset="0"/>
+                          <a:cs typeface="Arial" panose="020B0604020202020204" pitchFamily="34" charset="0"/>
+                        </a:rPr>
+                        <a:t>Hospedar o site</a:t>
+                      </a:r>
+                    </a:p>
+                  </a:txBody>
+                  <a:tcPr marL="9525" marR="9525" marT="9525" marB="0" anchor="b"/>
+                </a:tc>
+                <a:tc>
+                  <a:txBody>
+                    <a:bodyPr/>
+                    <a:lstStyle/>
+                    <a:p>
+                      <a:pPr algn="ctr" fontAlgn="b"/>
+                      <a:r>
+                        <a:rPr lang="pt-BR" sz="1600" b="0" i="0" u="none" strike="noStrike" dirty="0">
+                          <a:solidFill>
+                            <a:srgbClr val="000000"/>
+                          </a:solidFill>
+                          <a:effectLst/>
+                          <a:latin typeface="Arial" panose="020B0604020202020204" pitchFamily="34" charset="0"/>
+                          <a:cs typeface="Arial" panose="020B0604020202020204" pitchFamily="34" charset="0"/>
+                        </a:rPr>
+                        <a:t>Essencial</a:t>
+                      </a:r>
+                    </a:p>
+                  </a:txBody>
+                  <a:tcPr marL="9525" marR="9525" marT="9525" marB="0" anchor="b"/>
+                </a:tc>
+                <a:tc>
+                  <a:txBody>
+                    <a:bodyPr/>
+                    <a:lstStyle/>
+                    <a:p>
+                      <a:pPr algn="ctr"/>
+                      <a:r>
+                        <a:rPr lang="pt-BR" sz="1600" dirty="0">
+                          <a:latin typeface="Arial" panose="020B0604020202020204" pitchFamily="34" charset="0"/>
+                          <a:cs typeface="Arial" panose="020B0604020202020204" pitchFamily="34" charset="0"/>
+                        </a:rPr>
+                        <a:t>3</a:t>
+                      </a:r>
+                    </a:p>
+                  </a:txBody>
+                  <a:tcPr/>
+                </a:tc>
+                <a:extLst>
+                  <a:ext uri="{0D108BD9-81ED-4DB2-BD59-A6C34878D82A}">
+                    <a16:rowId xmlns:a16="http://schemas.microsoft.com/office/drawing/2014/main" val="1823663120"/>
+                  </a:ext>
+                </a:extLst>
+              </a:tr>
+              <a:tr h="441666">
+                <a:tc>
+                  <a:txBody>
+                    <a:bodyPr/>
+                    <a:lstStyle/>
+                    <a:p>
+                      <a:pPr algn="ctr" fontAlgn="b"/>
+                      <a:r>
+                        <a:rPr lang="pt-BR" sz="1600" b="0" i="0" u="none" strike="noStrike" dirty="0">
+                          <a:solidFill>
+                            <a:srgbClr val="000000"/>
+                          </a:solidFill>
+                          <a:effectLst/>
+                          <a:latin typeface="Arial" panose="020B0604020202020204" pitchFamily="34" charset="0"/>
+                          <a:cs typeface="Arial" panose="020B0604020202020204" pitchFamily="34" charset="0"/>
+                        </a:rPr>
+                        <a:t>Planilha de homologação do projeto</a:t>
+                      </a:r>
+                    </a:p>
+                  </a:txBody>
+                  <a:tcPr marL="9525" marR="9525" marT="9525" marB="0" anchor="b"/>
+                </a:tc>
+                <a:tc>
+                  <a:txBody>
+                    <a:bodyPr/>
+                    <a:lstStyle/>
+                    <a:p>
+                      <a:pPr algn="ctr" fontAlgn="b"/>
+                      <a:r>
+                        <a:rPr lang="pt-BR" sz="1600" b="0" i="0" u="none" strike="noStrike" dirty="0">
+                          <a:solidFill>
+                            <a:srgbClr val="000000"/>
+                          </a:solidFill>
+                          <a:effectLst/>
+                          <a:latin typeface="Arial" panose="020B0604020202020204" pitchFamily="34" charset="0"/>
+                          <a:cs typeface="Arial" panose="020B0604020202020204" pitchFamily="34" charset="0"/>
+                        </a:rPr>
+                        <a:t>Essencial</a:t>
+                      </a:r>
+                    </a:p>
+                  </a:txBody>
+                  <a:tcPr marL="9525" marR="9525" marT="9525" marB="0" anchor="b"/>
+                </a:tc>
+                <a:tc>
+                  <a:txBody>
+                    <a:bodyPr/>
+                    <a:lstStyle/>
+                    <a:p>
+                      <a:pPr algn="ctr"/>
+                      <a:r>
+                        <a:rPr lang="pt-BR" sz="1600" dirty="0">
+                          <a:latin typeface="Arial" panose="020B0604020202020204" pitchFamily="34" charset="0"/>
+                          <a:cs typeface="Arial" panose="020B0604020202020204" pitchFamily="34" charset="0"/>
+                        </a:rPr>
+                        <a:t>3</a:t>
+                      </a:r>
+                    </a:p>
+                  </a:txBody>
+                  <a:tcPr/>
+                </a:tc>
+                <a:extLst>
+                  <a:ext uri="{0D108BD9-81ED-4DB2-BD59-A6C34878D82A}">
+                    <a16:rowId xmlns:a16="http://schemas.microsoft.com/office/drawing/2014/main" val="1828260107"/>
+                  </a:ext>
+                </a:extLst>
+              </a:tr>
+              <a:tr h="490173">
+                <a:tc>
+                  <a:txBody>
+                    <a:bodyPr/>
+                    <a:lstStyle/>
+                    <a:p>
+                      <a:pPr algn="ctr" fontAlgn="b"/>
+                      <a:r>
+                        <a:rPr lang="pt-BR" sz="1600" b="0" i="0" u="none" strike="noStrike" dirty="0">
+                          <a:solidFill>
+                            <a:srgbClr val="000000"/>
+                          </a:solidFill>
+                          <a:effectLst/>
+                          <a:latin typeface="Arial" panose="020B0604020202020204" pitchFamily="34" charset="0"/>
+                          <a:cs typeface="Arial" panose="020B0604020202020204" pitchFamily="34" charset="0"/>
+                        </a:rPr>
+                        <a:t>Modelagem lógica e conceitual no projeto</a:t>
+                      </a:r>
+                    </a:p>
+                  </a:txBody>
+                  <a:tcPr marL="9525" marR="9525" marT="9525" marB="0" anchor="b"/>
+                </a:tc>
+                <a:tc>
+                  <a:txBody>
+                    <a:bodyPr/>
+                    <a:lstStyle/>
+                    <a:p>
+                      <a:pPr algn="ctr" fontAlgn="b"/>
+                      <a:r>
+                        <a:rPr lang="pt-BR" sz="1600" b="0" i="0" u="none" strike="noStrike" dirty="0">
+                          <a:solidFill>
+                            <a:srgbClr val="000000"/>
+                          </a:solidFill>
+                          <a:effectLst/>
+                          <a:latin typeface="Arial" panose="020B0604020202020204" pitchFamily="34" charset="0"/>
+                          <a:cs typeface="Arial" panose="020B0604020202020204" pitchFamily="34" charset="0"/>
+                        </a:rPr>
+                        <a:t>Essencial</a:t>
+                      </a:r>
+                    </a:p>
+                  </a:txBody>
+                  <a:tcPr marL="9525" marR="9525" marT="9525" marB="0" anchor="b"/>
+                </a:tc>
+                <a:tc>
+                  <a:txBody>
+                    <a:bodyPr/>
+                    <a:lstStyle/>
+                    <a:p>
+                      <a:pPr algn="ctr"/>
+                      <a:r>
+                        <a:rPr lang="pt-BR" sz="1600" dirty="0">
+                          <a:latin typeface="Arial" panose="020B0604020202020204" pitchFamily="34" charset="0"/>
+                          <a:cs typeface="Arial" panose="020B0604020202020204" pitchFamily="34" charset="0"/>
+                        </a:rPr>
+                        <a:t>3</a:t>
+                      </a:r>
+                    </a:p>
+                  </a:txBody>
+                  <a:tcPr/>
+                </a:tc>
+                <a:extLst>
+                  <a:ext uri="{0D108BD9-81ED-4DB2-BD59-A6C34878D82A}">
+                    <a16:rowId xmlns:a16="http://schemas.microsoft.com/office/drawing/2014/main" val="3015601724"/>
+                  </a:ext>
+                </a:extLst>
+              </a:tr>
+              <a:tr h="490173">
+                <a:tc>
+                  <a:txBody>
+                    <a:bodyPr/>
+                    <a:lstStyle/>
+                    <a:p>
+                      <a:pPr algn="ctr" fontAlgn="b"/>
+                      <a:r>
+                        <a:rPr lang="pt-BR" sz="1400" b="0" i="0" u="none" strike="noStrike" dirty="0">
+                          <a:solidFill>
+                            <a:srgbClr val="000000"/>
+                          </a:solidFill>
+                          <a:effectLst/>
+                          <a:latin typeface="Arial" panose="020B0604020202020204" pitchFamily="34" charset="0"/>
+                          <a:cs typeface="Arial" panose="020B0604020202020204" pitchFamily="34" charset="0"/>
+                        </a:rPr>
+                        <a:t>Fluxograma do Processo de Atendimento e Suporte ao Cliente</a:t>
+                      </a:r>
+                    </a:p>
+                  </a:txBody>
+                  <a:tcPr marL="9525" marR="9525" marT="9525" marB="0" anchor="b"/>
+                </a:tc>
+                <a:tc>
+                  <a:txBody>
+                    <a:bodyPr/>
+                    <a:lstStyle/>
+                    <a:p>
+                      <a:pPr algn="ctr" fontAlgn="b"/>
+                      <a:r>
+                        <a:rPr lang="pt-BR" sz="1600" b="0" i="0" u="none" strike="noStrike" dirty="0">
+                          <a:solidFill>
+                            <a:srgbClr val="000000"/>
+                          </a:solidFill>
+                          <a:effectLst/>
+                          <a:latin typeface="Arial" panose="020B0604020202020204" pitchFamily="34" charset="0"/>
+                          <a:cs typeface="Arial" panose="020B0604020202020204" pitchFamily="34" charset="0"/>
+                        </a:rPr>
+                        <a:t>Essencial</a:t>
+                      </a:r>
+                    </a:p>
+                  </a:txBody>
+                  <a:tcPr marL="9525" marR="9525" marT="9525" marB="0" anchor="b"/>
+                </a:tc>
+                <a:tc>
+                  <a:txBody>
+                    <a:bodyPr/>
+                    <a:lstStyle/>
+                    <a:p>
+                      <a:pPr algn="ctr"/>
+                      <a:r>
+                        <a:rPr lang="pt-BR" sz="1600" dirty="0">
+                          <a:latin typeface="Arial" panose="020B0604020202020204" pitchFamily="34" charset="0"/>
+                          <a:cs typeface="Arial" panose="020B0604020202020204" pitchFamily="34" charset="0"/>
+                        </a:rPr>
+                        <a:t>3</a:t>
+                      </a:r>
+                    </a:p>
+                  </a:txBody>
+                  <a:tcPr/>
+                </a:tc>
+                <a:extLst>
+                  <a:ext uri="{0D108BD9-81ED-4DB2-BD59-A6C34878D82A}">
+                    <a16:rowId xmlns:a16="http://schemas.microsoft.com/office/drawing/2014/main" val="3433124715"/>
+                  </a:ext>
+                </a:extLst>
+              </a:tr>
+            </a:tbl>
+          </a:graphicData>
+        </a:graphic>
+      </p:graphicFrame>
     </p:spTree>
     <p:extLst>
       <p:ext uri="{BB962C8B-B14F-4D97-AF65-F5344CB8AC3E}">
@@ -20751,6 +23205,302 @@
   <p:clrMapOvr>
     <a:masterClrMapping/>
   </p:clrMapOvr>
+  <p:timing>
+    <p:tnLst>
+      <p:par>
+        <p:cTn id="1" dur="indefinite" restart="never" nodeType="tmRoot">
+          <p:childTnLst>
+            <p:seq concurrent="1" nextAc="seek">
+              <p:cTn id="2" dur="indefinite" nodeType="mainSeq">
+                <p:childTnLst>
+                  <p:par>
+                    <p:cTn id="3" fill="hold">
+                      <p:stCondLst>
+                        <p:cond delay="indefinite"/>
+                      </p:stCondLst>
+                      <p:childTnLst>
+                        <p:par>
+                          <p:cTn id="4" fill="hold">
+                            <p:stCondLst>
+                              <p:cond delay="0"/>
+                            </p:stCondLst>
+                            <p:childTnLst>
+                              <p:par>
+                                <p:cTn id="5" presetID="2" presetClass="entr" presetSubtype="4" fill="hold" nodeType="clickEffect">
+                                  <p:stCondLst>
+                                    <p:cond delay="0"/>
+                                  </p:stCondLst>
+                                  <p:childTnLst>
+                                    <p:set>
+                                      <p:cBhvr>
+                                        <p:cTn id="6" dur="1" fill="hold">
+                                          <p:stCondLst>
+                                            <p:cond delay="0"/>
+                                          </p:stCondLst>
+                                        </p:cTn>
+                                        <p:tgtEl>
+                                          <p:spTgt spid="4"/>
+                                        </p:tgtEl>
+                                        <p:attrNameLst>
+                                          <p:attrName>style.visibility</p:attrName>
+                                        </p:attrNameLst>
+                                      </p:cBhvr>
+                                      <p:to>
+                                        <p:strVal val="visible"/>
+                                      </p:to>
+                                    </p:set>
+                                    <p:anim calcmode="lin" valueType="num">
+                                      <p:cBhvr additive="base">
+                                        <p:cTn id="7" dur="500" fill="hold"/>
+                                        <p:tgtEl>
+                                          <p:spTgt spid="4"/>
+                                        </p:tgtEl>
+                                        <p:attrNameLst>
+                                          <p:attrName>ppt_x</p:attrName>
+                                        </p:attrNameLst>
+                                      </p:cBhvr>
+                                      <p:tavLst>
+                                        <p:tav tm="0">
+                                          <p:val>
+                                            <p:strVal val="#ppt_x"/>
+                                          </p:val>
+                                        </p:tav>
+                                        <p:tav tm="100000">
+                                          <p:val>
+                                            <p:strVal val="#ppt_x"/>
+                                          </p:val>
+                                        </p:tav>
+                                      </p:tavLst>
+                                    </p:anim>
+                                    <p:anim calcmode="lin" valueType="num">
+                                      <p:cBhvr additive="base">
+                                        <p:cTn id="8" dur="500" fill="hold"/>
+                                        <p:tgtEl>
+                                          <p:spTgt spid="4"/>
+                                        </p:tgtEl>
+                                        <p:attrNameLst>
+                                          <p:attrName>ppt_y</p:attrName>
+                                        </p:attrNameLst>
+                                      </p:cBhvr>
+                                      <p:tavLst>
+                                        <p:tav tm="0">
+                                          <p:val>
+                                            <p:strVal val="1+#ppt_h/2"/>
+                                          </p:val>
+                                        </p:tav>
+                                        <p:tav tm="100000">
+                                          <p:val>
+                                            <p:strVal val="#ppt_y"/>
+                                          </p:val>
+                                        </p:tav>
+                                      </p:tavLst>
+                                    </p:anim>
+                                  </p:childTnLst>
+                                </p:cTn>
+                              </p:par>
+                            </p:childTnLst>
+                          </p:cTn>
+                        </p:par>
+                        <p:par>
+                          <p:cTn id="9" fill="hold">
+                            <p:stCondLst>
+                              <p:cond delay="500"/>
+                            </p:stCondLst>
+                            <p:childTnLst>
+                              <p:par>
+                                <p:cTn id="10" presetID="2" presetClass="entr" presetSubtype="4" fill="hold" nodeType="afterEffect">
+                                  <p:stCondLst>
+                                    <p:cond delay="0"/>
+                                  </p:stCondLst>
+                                  <p:childTnLst>
+                                    <p:set>
+                                      <p:cBhvr>
+                                        <p:cTn id="11" dur="1" fill="hold">
+                                          <p:stCondLst>
+                                            <p:cond delay="0"/>
+                                          </p:stCondLst>
+                                        </p:cTn>
+                                        <p:tgtEl>
+                                          <p:spTgt spid="13"/>
+                                        </p:tgtEl>
+                                        <p:attrNameLst>
+                                          <p:attrName>style.visibility</p:attrName>
+                                        </p:attrNameLst>
+                                      </p:cBhvr>
+                                      <p:to>
+                                        <p:strVal val="visible"/>
+                                      </p:to>
+                                    </p:set>
+                                    <p:anim calcmode="lin" valueType="num">
+                                      <p:cBhvr additive="base">
+                                        <p:cTn id="12" dur="500" fill="hold"/>
+                                        <p:tgtEl>
+                                          <p:spTgt spid="13"/>
+                                        </p:tgtEl>
+                                        <p:attrNameLst>
+                                          <p:attrName>ppt_x</p:attrName>
+                                        </p:attrNameLst>
+                                      </p:cBhvr>
+                                      <p:tavLst>
+                                        <p:tav tm="0">
+                                          <p:val>
+                                            <p:strVal val="#ppt_x"/>
+                                          </p:val>
+                                        </p:tav>
+                                        <p:tav tm="100000">
+                                          <p:val>
+                                            <p:strVal val="#ppt_x"/>
+                                          </p:val>
+                                        </p:tav>
+                                      </p:tavLst>
+                                    </p:anim>
+                                    <p:anim calcmode="lin" valueType="num">
+                                      <p:cBhvr additive="base">
+                                        <p:cTn id="13" dur="500" fill="hold"/>
+                                        <p:tgtEl>
+                                          <p:spTgt spid="13"/>
+                                        </p:tgtEl>
+                                        <p:attrNameLst>
+                                          <p:attrName>ppt_y</p:attrName>
+                                        </p:attrNameLst>
+                                      </p:cBhvr>
+                                      <p:tavLst>
+                                        <p:tav tm="0">
+                                          <p:val>
+                                            <p:strVal val="1+#ppt_h/2"/>
+                                          </p:val>
+                                        </p:tav>
+                                        <p:tav tm="100000">
+                                          <p:val>
+                                            <p:strVal val="#ppt_y"/>
+                                          </p:val>
+                                        </p:tav>
+                                      </p:tavLst>
+                                    </p:anim>
+                                  </p:childTnLst>
+                                </p:cTn>
+                              </p:par>
+                            </p:childTnLst>
+                          </p:cTn>
+                        </p:par>
+                        <p:par>
+                          <p:cTn id="14" fill="hold">
+                            <p:stCondLst>
+                              <p:cond delay="1000"/>
+                            </p:stCondLst>
+                            <p:childTnLst>
+                              <p:par>
+                                <p:cTn id="15" presetID="42" presetClass="entr" presetSubtype="0" fill="hold" grpId="0" nodeType="afterEffect">
+                                  <p:stCondLst>
+                                    <p:cond delay="0"/>
+                                  </p:stCondLst>
+                                  <p:childTnLst>
+                                    <p:set>
+                                      <p:cBhvr>
+                                        <p:cTn id="16" dur="1" fill="hold">
+                                          <p:stCondLst>
+                                            <p:cond delay="0"/>
+                                          </p:stCondLst>
+                                        </p:cTn>
+                                        <p:tgtEl>
+                                          <p:spTgt spid="8"/>
+                                        </p:tgtEl>
+                                        <p:attrNameLst>
+                                          <p:attrName>style.visibility</p:attrName>
+                                        </p:attrNameLst>
+                                      </p:cBhvr>
+                                      <p:to>
+                                        <p:strVal val="visible"/>
+                                      </p:to>
+                                    </p:set>
+                                    <p:animEffect transition="in" filter="fade">
+                                      <p:cBhvr>
+                                        <p:cTn id="17" dur="1000"/>
+                                        <p:tgtEl>
+                                          <p:spTgt spid="8"/>
+                                        </p:tgtEl>
+                                      </p:cBhvr>
+                                    </p:animEffect>
+                                    <p:anim calcmode="lin" valueType="num">
+                                      <p:cBhvr>
+                                        <p:cTn id="18" dur="1000" fill="hold"/>
+                                        <p:tgtEl>
+                                          <p:spTgt spid="8"/>
+                                        </p:tgtEl>
+                                        <p:attrNameLst>
+                                          <p:attrName>ppt_x</p:attrName>
+                                        </p:attrNameLst>
+                                      </p:cBhvr>
+                                      <p:tavLst>
+                                        <p:tav tm="0">
+                                          <p:val>
+                                            <p:strVal val="#ppt_x"/>
+                                          </p:val>
+                                        </p:tav>
+                                        <p:tav tm="100000">
+                                          <p:val>
+                                            <p:strVal val="#ppt_x"/>
+                                          </p:val>
+                                        </p:tav>
+                                      </p:tavLst>
+                                    </p:anim>
+                                    <p:anim calcmode="lin" valueType="num">
+                                      <p:cBhvr>
+                                        <p:cTn id="19" dur="1000" fill="hold"/>
+                                        <p:tgtEl>
+                                          <p:spTgt spid="8"/>
+                                        </p:tgtEl>
+                                        <p:attrNameLst>
+                                          <p:attrName>ppt_y</p:attrName>
+                                        </p:attrNameLst>
+                                      </p:cBhvr>
+                                      <p:tavLst>
+                                        <p:tav tm="0">
+                                          <p:val>
+                                            <p:strVal val="#ppt_y+.1"/>
+                                          </p:val>
+                                        </p:tav>
+                                        <p:tav tm="100000">
+                                          <p:val>
+                                            <p:strVal val="#ppt_y"/>
+                                          </p:val>
+                                        </p:tav>
+                                      </p:tavLst>
+                                    </p:anim>
+                                  </p:childTnLst>
+                                </p:cTn>
+                              </p:par>
+                            </p:childTnLst>
+                          </p:cTn>
+                        </p:par>
+                      </p:childTnLst>
+                    </p:cTn>
+                  </p:par>
+                </p:childTnLst>
+              </p:cTn>
+              <p:prevCondLst>
+                <p:cond evt="onPrev" delay="0">
+                  <p:tgtEl>
+                    <p:sldTgt/>
+                  </p:tgtEl>
+                </p:cond>
+              </p:prevCondLst>
+              <p:nextCondLst>
+                <p:cond evt="onNext" delay="0">
+                  <p:tgtEl>
+                    <p:sldTgt/>
+                  </p:tgtEl>
+                </p:cond>
+              </p:nextCondLst>
+            </p:seq>
+          </p:childTnLst>
+        </p:cTn>
+      </p:par>
+    </p:tnLst>
+    <p:bldLst>
+      <p:bldP spid="8" grpId="0"/>
+    </p:bldLst>
+  </p:timing>
 </p:sld>
 </file>
 
@@ -26073,6 +28823,1420 @@
   <p:clrMapOvr>
     <a:masterClrMapping/>
   </p:clrMapOvr>
+  <p:timing>
+    <p:tnLst>
+      <p:par>
+        <p:cTn id="1" dur="indefinite" restart="never" nodeType="tmRoot">
+          <p:childTnLst>
+            <p:seq concurrent="1" nextAc="seek">
+              <p:cTn id="2" dur="indefinite" nodeType="mainSeq">
+                <p:childTnLst>
+                  <p:par>
+                    <p:cTn id="3" fill="hold">
+                      <p:stCondLst>
+                        <p:cond delay="indefinite"/>
+                        <p:cond evt="onBegin" delay="0">
+                          <p:tn val="2"/>
+                        </p:cond>
+                      </p:stCondLst>
+                      <p:childTnLst>
+                        <p:par>
+                          <p:cTn id="4" fill="hold">
+                            <p:stCondLst>
+                              <p:cond delay="0"/>
+                            </p:stCondLst>
+                            <p:childTnLst>
+                              <p:par>
+                                <p:cTn id="5" presetID="42" presetClass="entr" presetSubtype="0" fill="hold" grpId="0" nodeType="afterEffect">
+                                  <p:stCondLst>
+                                    <p:cond delay="0"/>
+                                  </p:stCondLst>
+                                  <p:childTnLst>
+                                    <p:set>
+                                      <p:cBhvr>
+                                        <p:cTn id="6" dur="1" fill="hold">
+                                          <p:stCondLst>
+                                            <p:cond delay="0"/>
+                                          </p:stCondLst>
+                                        </p:cTn>
+                                        <p:tgtEl>
+                                          <p:spTgt spid="88"/>
+                                        </p:tgtEl>
+                                        <p:attrNameLst>
+                                          <p:attrName>style.visibility</p:attrName>
+                                        </p:attrNameLst>
+                                      </p:cBhvr>
+                                      <p:to>
+                                        <p:strVal val="visible"/>
+                                      </p:to>
+                                    </p:set>
+                                    <p:animEffect transition="in" filter="fade">
+                                      <p:cBhvr>
+                                        <p:cTn id="7" dur="1000"/>
+                                        <p:tgtEl>
+                                          <p:spTgt spid="88"/>
+                                        </p:tgtEl>
+                                      </p:cBhvr>
+                                    </p:animEffect>
+                                    <p:anim calcmode="lin" valueType="num">
+                                      <p:cBhvr>
+                                        <p:cTn id="8" dur="1000" fill="hold"/>
+                                        <p:tgtEl>
+                                          <p:spTgt spid="88"/>
+                                        </p:tgtEl>
+                                        <p:attrNameLst>
+                                          <p:attrName>ppt_x</p:attrName>
+                                        </p:attrNameLst>
+                                      </p:cBhvr>
+                                      <p:tavLst>
+                                        <p:tav tm="0">
+                                          <p:val>
+                                            <p:strVal val="#ppt_x"/>
+                                          </p:val>
+                                        </p:tav>
+                                        <p:tav tm="100000">
+                                          <p:val>
+                                            <p:strVal val="#ppt_x"/>
+                                          </p:val>
+                                        </p:tav>
+                                      </p:tavLst>
+                                    </p:anim>
+                                    <p:anim calcmode="lin" valueType="num">
+                                      <p:cBhvr>
+                                        <p:cTn id="9" dur="1000" fill="hold"/>
+                                        <p:tgtEl>
+                                          <p:spTgt spid="88"/>
+                                        </p:tgtEl>
+                                        <p:attrNameLst>
+                                          <p:attrName>ppt_y</p:attrName>
+                                        </p:attrNameLst>
+                                      </p:cBhvr>
+                                      <p:tavLst>
+                                        <p:tav tm="0">
+                                          <p:val>
+                                            <p:strVal val="#ppt_y+.1"/>
+                                          </p:val>
+                                        </p:tav>
+                                        <p:tav tm="100000">
+                                          <p:val>
+                                            <p:strVal val="#ppt_y"/>
+                                          </p:val>
+                                        </p:tav>
+                                      </p:tavLst>
+                                    </p:anim>
+                                  </p:childTnLst>
+                                </p:cTn>
+                              </p:par>
+                            </p:childTnLst>
+                          </p:cTn>
+                        </p:par>
+                        <p:par>
+                          <p:cTn id="10" fill="hold">
+                            <p:stCondLst>
+                              <p:cond delay="1000"/>
+                            </p:stCondLst>
+                            <p:childTnLst>
+                              <p:par>
+                                <p:cTn id="11" presetID="2" presetClass="entr" presetSubtype="4" fill="hold" nodeType="afterEffect">
+                                  <p:stCondLst>
+                                    <p:cond delay="0"/>
+                                  </p:stCondLst>
+                                  <p:childTnLst>
+                                    <p:set>
+                                      <p:cBhvr>
+                                        <p:cTn id="12" dur="1" fill="hold">
+                                          <p:stCondLst>
+                                            <p:cond delay="0"/>
+                                          </p:stCondLst>
+                                        </p:cTn>
+                                        <p:tgtEl>
+                                          <p:spTgt spid="6"/>
+                                        </p:tgtEl>
+                                        <p:attrNameLst>
+                                          <p:attrName>style.visibility</p:attrName>
+                                        </p:attrNameLst>
+                                      </p:cBhvr>
+                                      <p:to>
+                                        <p:strVal val="visible"/>
+                                      </p:to>
+                                    </p:set>
+                                    <p:anim calcmode="lin" valueType="num">
+                                      <p:cBhvr additive="base">
+                                        <p:cTn id="13" dur="500" fill="hold"/>
+                                        <p:tgtEl>
+                                          <p:spTgt spid="6"/>
+                                        </p:tgtEl>
+                                        <p:attrNameLst>
+                                          <p:attrName>ppt_x</p:attrName>
+                                        </p:attrNameLst>
+                                      </p:cBhvr>
+                                      <p:tavLst>
+                                        <p:tav tm="0">
+                                          <p:val>
+                                            <p:strVal val="#ppt_x"/>
+                                          </p:val>
+                                        </p:tav>
+                                        <p:tav tm="100000">
+                                          <p:val>
+                                            <p:strVal val="#ppt_x"/>
+                                          </p:val>
+                                        </p:tav>
+                                      </p:tavLst>
+                                    </p:anim>
+                                    <p:anim calcmode="lin" valueType="num">
+                                      <p:cBhvr additive="base">
+                                        <p:cTn id="14" dur="500" fill="hold"/>
+                                        <p:tgtEl>
+                                          <p:spTgt spid="6"/>
+                                        </p:tgtEl>
+                                        <p:attrNameLst>
+                                          <p:attrName>ppt_y</p:attrName>
+                                        </p:attrNameLst>
+                                      </p:cBhvr>
+                                      <p:tavLst>
+                                        <p:tav tm="0">
+                                          <p:val>
+                                            <p:strVal val="1+#ppt_h/2"/>
+                                          </p:val>
+                                        </p:tav>
+                                        <p:tav tm="100000">
+                                          <p:val>
+                                            <p:strVal val="#ppt_y"/>
+                                          </p:val>
+                                        </p:tav>
+                                      </p:tavLst>
+                                    </p:anim>
+                                  </p:childTnLst>
+                                </p:cTn>
+                              </p:par>
+                              <p:par>
+                                <p:cTn id="15" presetID="2" presetClass="entr" presetSubtype="4" fill="hold" nodeType="withEffect">
+                                  <p:stCondLst>
+                                    <p:cond delay="0"/>
+                                  </p:stCondLst>
+                                  <p:childTnLst>
+                                    <p:set>
+                                      <p:cBhvr>
+                                        <p:cTn id="16" dur="1" fill="hold">
+                                          <p:stCondLst>
+                                            <p:cond delay="0"/>
+                                          </p:stCondLst>
+                                        </p:cTn>
+                                        <p:tgtEl>
+                                          <p:spTgt spid="15"/>
+                                        </p:tgtEl>
+                                        <p:attrNameLst>
+                                          <p:attrName>style.visibility</p:attrName>
+                                        </p:attrNameLst>
+                                      </p:cBhvr>
+                                      <p:to>
+                                        <p:strVal val="visible"/>
+                                      </p:to>
+                                    </p:set>
+                                    <p:anim calcmode="lin" valueType="num">
+                                      <p:cBhvr additive="base">
+                                        <p:cTn id="17" dur="500" fill="hold"/>
+                                        <p:tgtEl>
+                                          <p:spTgt spid="15"/>
+                                        </p:tgtEl>
+                                        <p:attrNameLst>
+                                          <p:attrName>ppt_x</p:attrName>
+                                        </p:attrNameLst>
+                                      </p:cBhvr>
+                                      <p:tavLst>
+                                        <p:tav tm="0">
+                                          <p:val>
+                                            <p:strVal val="#ppt_x"/>
+                                          </p:val>
+                                        </p:tav>
+                                        <p:tav tm="100000">
+                                          <p:val>
+                                            <p:strVal val="#ppt_x"/>
+                                          </p:val>
+                                        </p:tav>
+                                      </p:tavLst>
+                                    </p:anim>
+                                    <p:anim calcmode="lin" valueType="num">
+                                      <p:cBhvr additive="base">
+                                        <p:cTn id="18" dur="500" fill="hold"/>
+                                        <p:tgtEl>
+                                          <p:spTgt spid="15"/>
+                                        </p:tgtEl>
+                                        <p:attrNameLst>
+                                          <p:attrName>ppt_y</p:attrName>
+                                        </p:attrNameLst>
+                                      </p:cBhvr>
+                                      <p:tavLst>
+                                        <p:tav tm="0">
+                                          <p:val>
+                                            <p:strVal val="1+#ppt_h/2"/>
+                                          </p:val>
+                                        </p:tav>
+                                        <p:tav tm="100000">
+                                          <p:val>
+                                            <p:strVal val="#ppt_y"/>
+                                          </p:val>
+                                        </p:tav>
+                                      </p:tavLst>
+                                    </p:anim>
+                                  </p:childTnLst>
+                                </p:cTn>
+                              </p:par>
+                            </p:childTnLst>
+                          </p:cTn>
+                        </p:par>
+                      </p:childTnLst>
+                    </p:cTn>
+                  </p:par>
+                </p:childTnLst>
+              </p:cTn>
+              <p:prevCondLst>
+                <p:cond evt="onPrev" delay="0">
+                  <p:tgtEl>
+                    <p:sldTgt/>
+                  </p:tgtEl>
+                </p:cond>
+              </p:prevCondLst>
+              <p:nextCondLst>
+                <p:cond evt="onNext" delay="0">
+                  <p:tgtEl>
+                    <p:sldTgt/>
+                  </p:tgtEl>
+                </p:cond>
+              </p:nextCondLst>
+            </p:seq>
+          </p:childTnLst>
+        </p:cTn>
+      </p:par>
+    </p:tnLst>
+    <p:bldLst>
+      <p:bldP spid="88" grpId="0"/>
+    </p:bldLst>
+  </p:timing>
+</p:sld>
+</file>
+
+<file path=ppt/slides/slide17.xml><?xml version="1.0" encoding="utf-8"?>
+<p:sld xmlns:a="http://schemas.openxmlformats.org/drawingml/2006/main" xmlns:r="http://schemas.openxmlformats.org/officeDocument/2006/relationships" xmlns:p="http://schemas.openxmlformats.org/presentationml/2006/main">
+  <p:cSld>
+    <p:spTree>
+      <p:nvGrpSpPr>
+        <p:cNvPr id="1" name=""/>
+        <p:cNvGrpSpPr/>
+        <p:nvPr/>
+      </p:nvGrpSpPr>
+      <p:grpSpPr>
+        <a:xfrm>
+          <a:off x="0" y="0"/>
+          <a:ext cx="0" cy="0"/>
+          <a:chOff x="0" y="0"/>
+          <a:chExt cx="0" cy="0"/>
+        </a:xfrm>
+      </p:grpSpPr>
+      <p:pic>
+        <p:nvPicPr>
+          <p:cNvPr id="35" name="Imagem 34" descr="Homem com raquete de tênis&#10;&#10;Descrição gerada automaticamente">
+            <a:extLst>
+              <a:ext uri="{FF2B5EF4-FFF2-40B4-BE49-F238E27FC236}">
+                <a16:creationId xmlns:a16="http://schemas.microsoft.com/office/drawing/2014/main" id="{C00F810A-B90D-428C-AA60-C6F984CBD365}"/>
+              </a:ext>
+            </a:extLst>
+          </p:cNvPr>
+          <p:cNvPicPr>
+            <a:picLocks noChangeAspect="1"/>
+          </p:cNvPicPr>
+          <p:nvPr/>
+        </p:nvPicPr>
+        <p:blipFill>
+          <a:blip r:embed="rId2">
+            <a:extLst>
+              <a:ext uri="{28A0092B-C50C-407E-A947-70E740481C1C}">
+                <a14:useLocalDpi xmlns:a14="http://schemas.microsoft.com/office/drawing/2010/main" val="0"/>
+              </a:ext>
+            </a:extLst>
+          </a:blip>
+          <a:stretch>
+            <a:fillRect/>
+          </a:stretch>
+        </p:blipFill>
+        <p:spPr>
+          <a:xfrm>
+            <a:off x="-29665" y="-2"/>
+            <a:ext cx="12221664" cy="6858001"/>
+          </a:xfrm>
+          <a:prstGeom prst="rect">
+            <a:avLst/>
+          </a:prstGeom>
+        </p:spPr>
+      </p:pic>
+      <p:sp>
+        <p:nvSpPr>
+          <p:cNvPr id="29" name="Forma Livre: Forma 28">
+            <a:extLst>
+              <a:ext uri="{FF2B5EF4-FFF2-40B4-BE49-F238E27FC236}">
+                <a16:creationId xmlns:a16="http://schemas.microsoft.com/office/drawing/2014/main" id="{5651BC8C-5E95-4EC3-B773-2C89900DACD0}"/>
+              </a:ext>
+            </a:extLst>
+          </p:cNvPr>
+          <p:cNvSpPr/>
+          <p:nvPr/>
+        </p:nvSpPr>
+        <p:spPr>
+          <a:xfrm>
+            <a:off x="0" y="0"/>
+            <a:ext cx="8926284" cy="6858000"/>
+          </a:xfrm>
+          <a:custGeom>
+            <a:avLst/>
+            <a:gdLst>
+              <a:gd name="connsiteX0" fmla="*/ 9448265 w 9797142"/>
+              <a:gd name="connsiteY0" fmla="*/ 0 h 6858000"/>
+              <a:gd name="connsiteX1" fmla="*/ 9797142 w 9797142"/>
+              <a:gd name="connsiteY1" fmla="*/ 125794 h 6858000"/>
+              <a:gd name="connsiteX2" fmla="*/ 9678014 w 9797142"/>
+              <a:gd name="connsiteY2" fmla="*/ 229901 h 6858000"/>
+              <a:gd name="connsiteX3" fmla="*/ 9605686 w 9797142"/>
+              <a:gd name="connsiteY3" fmla="*/ 229901 h 6858000"/>
+              <a:gd name="connsiteX4" fmla="*/ 9222773 w 9797142"/>
+              <a:gd name="connsiteY4" fmla="*/ 203874 h 6858000"/>
+              <a:gd name="connsiteX5" fmla="*/ 6635990 w 9797142"/>
+              <a:gd name="connsiteY5" fmla="*/ 1179871 h 6858000"/>
+              <a:gd name="connsiteX6" fmla="*/ 5423435 w 9797142"/>
+              <a:gd name="connsiteY6" fmla="*/ 2138516 h 6858000"/>
+              <a:gd name="connsiteX7" fmla="*/ 3619495 w 9797142"/>
+              <a:gd name="connsiteY7" fmla="*/ 4146900 h 6858000"/>
+              <a:gd name="connsiteX8" fmla="*/ 1266714 w 9797142"/>
+              <a:gd name="connsiteY8" fmla="*/ 6545681 h 6858000"/>
+              <a:gd name="connsiteX9" fmla="*/ 807220 w 9797142"/>
+              <a:gd name="connsiteY9" fmla="*/ 6858000 h 6858000"/>
+              <a:gd name="connsiteX10" fmla="*/ 781692 w 9797142"/>
+              <a:gd name="connsiteY10" fmla="*/ 6834143 h 6858000"/>
+              <a:gd name="connsiteX11" fmla="*/ 875292 w 9797142"/>
+              <a:gd name="connsiteY11" fmla="*/ 6699604 h 6858000"/>
+              <a:gd name="connsiteX12" fmla="*/ 2166557 w 9797142"/>
+              <a:gd name="connsiteY12" fmla="*/ 4343388 h 6858000"/>
+              <a:gd name="connsiteX13" fmla="*/ 2704760 w 9797142"/>
+              <a:gd name="connsiteY13" fmla="*/ 2069653 h 6858000"/>
+              <a:gd name="connsiteX14" fmla="*/ 1539006 w 9797142"/>
+              <a:gd name="connsiteY14" fmla="*/ 602949 h 6858000"/>
+              <a:gd name="connsiteX15" fmla="*/ 479617 w 9797142"/>
+              <a:gd name="connsiteY15" fmla="*/ 923943 h 6858000"/>
+              <a:gd name="connsiteX16" fmla="*/ 186317 w 9797142"/>
+              <a:gd name="connsiteY16" fmla="*/ 1096369 h 6858000"/>
+              <a:gd name="connsiteX17" fmla="*/ 0 w 9797142"/>
+              <a:gd name="connsiteY17" fmla="*/ 1226978 h 6858000"/>
+              <a:gd name="connsiteX18" fmla="*/ 0 w 9797142"/>
+              <a:gd name="connsiteY18" fmla="*/ 1034778 h 6858000"/>
+              <a:gd name="connsiteX19" fmla="*/ 63694 w 9797142"/>
+              <a:gd name="connsiteY19" fmla="*/ 993585 h 6858000"/>
+              <a:gd name="connsiteX20" fmla="*/ 1566660 w 9797142"/>
+              <a:gd name="connsiteY20" fmla="*/ 533544 h 6858000"/>
+              <a:gd name="connsiteX21" fmla="*/ 2730887 w 9797142"/>
+              <a:gd name="connsiteY21" fmla="*/ 1043401 h 6858000"/>
+              <a:gd name="connsiteX22" fmla="*/ 3177018 w 9797142"/>
+              <a:gd name="connsiteY22" fmla="*/ 2382110 h 6858000"/>
+              <a:gd name="connsiteX23" fmla="*/ 2687742 w 9797142"/>
+              <a:gd name="connsiteY23" fmla="*/ 4243652 h 6858000"/>
+              <a:gd name="connsiteX24" fmla="*/ 1109294 w 9797142"/>
+              <a:gd name="connsiteY24" fmla="*/ 6513149 h 6858000"/>
+              <a:gd name="connsiteX25" fmla="*/ 1066748 w 9797142"/>
+              <a:gd name="connsiteY25" fmla="*/ 6573878 h 6858000"/>
+              <a:gd name="connsiteX26" fmla="*/ 1075258 w 9797142"/>
+              <a:gd name="connsiteY26" fmla="*/ 6586891 h 6858000"/>
+              <a:gd name="connsiteX27" fmla="*/ 1607081 w 9797142"/>
+              <a:gd name="connsiteY27" fmla="*/ 6183342 h 6858000"/>
+              <a:gd name="connsiteX28" fmla="*/ 2338868 w 9797142"/>
+              <a:gd name="connsiteY28" fmla="*/ 5458734 h 6858000"/>
+              <a:gd name="connsiteX29" fmla="*/ 4134300 w 9797142"/>
+              <a:gd name="connsiteY29" fmla="*/ 3393281 h 6858000"/>
+              <a:gd name="connsiteX30" fmla="*/ 5648930 w 9797142"/>
+              <a:gd name="connsiteY30" fmla="*/ 1820300 h 6858000"/>
+              <a:gd name="connsiteX31" fmla="*/ 7116759 w 9797142"/>
+              <a:gd name="connsiteY31" fmla="*/ 772392 h 6858000"/>
+              <a:gd name="connsiteX32" fmla="*/ 9448265 w 9797142"/>
+              <a:gd name="connsiteY32" fmla="*/ 0 h 6858000"/>
+            </a:gdLst>
+            <a:ahLst/>
+            <a:cxnLst>
+              <a:cxn ang="0">
+                <a:pos x="connsiteX0" y="connsiteY0"/>
+              </a:cxn>
+              <a:cxn ang="0">
+                <a:pos x="connsiteX1" y="connsiteY1"/>
+              </a:cxn>
+              <a:cxn ang="0">
+                <a:pos x="connsiteX2" y="connsiteY2"/>
+              </a:cxn>
+              <a:cxn ang="0">
+                <a:pos x="connsiteX3" y="connsiteY3"/>
+              </a:cxn>
+              <a:cxn ang="0">
+                <a:pos x="connsiteX4" y="connsiteY4"/>
+              </a:cxn>
+              <a:cxn ang="0">
+                <a:pos x="connsiteX5" y="connsiteY5"/>
+              </a:cxn>
+              <a:cxn ang="0">
+                <a:pos x="connsiteX6" y="connsiteY6"/>
+              </a:cxn>
+              <a:cxn ang="0">
+                <a:pos x="connsiteX7" y="connsiteY7"/>
+              </a:cxn>
+              <a:cxn ang="0">
+                <a:pos x="connsiteX8" y="connsiteY8"/>
+              </a:cxn>
+              <a:cxn ang="0">
+                <a:pos x="connsiteX9" y="connsiteY9"/>
+              </a:cxn>
+              <a:cxn ang="0">
+                <a:pos x="connsiteX10" y="connsiteY10"/>
+              </a:cxn>
+              <a:cxn ang="0">
+                <a:pos x="connsiteX11" y="connsiteY11"/>
+              </a:cxn>
+              <a:cxn ang="0">
+                <a:pos x="connsiteX12" y="connsiteY12"/>
+              </a:cxn>
+              <a:cxn ang="0">
+                <a:pos x="connsiteX13" y="connsiteY13"/>
+              </a:cxn>
+              <a:cxn ang="0">
+                <a:pos x="connsiteX14" y="connsiteY14"/>
+              </a:cxn>
+              <a:cxn ang="0">
+                <a:pos x="connsiteX15" y="connsiteY15"/>
+              </a:cxn>
+              <a:cxn ang="0">
+                <a:pos x="connsiteX16" y="connsiteY16"/>
+              </a:cxn>
+              <a:cxn ang="0">
+                <a:pos x="connsiteX17" y="connsiteY17"/>
+              </a:cxn>
+              <a:cxn ang="0">
+                <a:pos x="connsiteX18" y="connsiteY18"/>
+              </a:cxn>
+              <a:cxn ang="0">
+                <a:pos x="connsiteX19" y="connsiteY19"/>
+              </a:cxn>
+              <a:cxn ang="0">
+                <a:pos x="connsiteX20" y="connsiteY20"/>
+              </a:cxn>
+              <a:cxn ang="0">
+                <a:pos x="connsiteX21" y="connsiteY21"/>
+              </a:cxn>
+              <a:cxn ang="0">
+                <a:pos x="connsiteX22" y="connsiteY22"/>
+              </a:cxn>
+              <a:cxn ang="0">
+                <a:pos x="connsiteX23" y="connsiteY23"/>
+              </a:cxn>
+              <a:cxn ang="0">
+                <a:pos x="connsiteX24" y="connsiteY24"/>
+              </a:cxn>
+              <a:cxn ang="0">
+                <a:pos x="connsiteX25" y="connsiteY25"/>
+              </a:cxn>
+              <a:cxn ang="0">
+                <a:pos x="connsiteX26" y="connsiteY26"/>
+              </a:cxn>
+              <a:cxn ang="0">
+                <a:pos x="connsiteX27" y="connsiteY27"/>
+              </a:cxn>
+              <a:cxn ang="0">
+                <a:pos x="connsiteX28" y="connsiteY28"/>
+              </a:cxn>
+              <a:cxn ang="0">
+                <a:pos x="connsiteX29" y="connsiteY29"/>
+              </a:cxn>
+              <a:cxn ang="0">
+                <a:pos x="connsiteX30" y="connsiteY30"/>
+              </a:cxn>
+              <a:cxn ang="0">
+                <a:pos x="connsiteX31" y="connsiteY31"/>
+              </a:cxn>
+              <a:cxn ang="0">
+                <a:pos x="connsiteX32" y="connsiteY32"/>
+              </a:cxn>
+            </a:cxnLst>
+            <a:rect l="l" t="t" r="r" b="b"/>
+            <a:pathLst>
+              <a:path w="9797142" h="6858000">
+                <a:moveTo>
+                  <a:pt x="9448265" y="0"/>
+                </a:moveTo>
+                <a:cubicBezTo>
+                  <a:pt x="9680851" y="0"/>
+                  <a:pt x="9797142" y="41931"/>
+                  <a:pt x="9797142" y="125794"/>
+                </a:cubicBezTo>
+                <a:cubicBezTo>
+                  <a:pt x="9797142" y="195200"/>
+                  <a:pt x="9757433" y="229901"/>
+                  <a:pt x="9678014" y="229901"/>
+                </a:cubicBezTo>
+                <a:lnTo>
+                  <a:pt x="9605686" y="229901"/>
+                </a:lnTo>
+                <a:cubicBezTo>
+                  <a:pt x="9449684" y="212550"/>
+                  <a:pt x="9322046" y="203874"/>
+                  <a:pt x="9222773" y="203874"/>
+                </a:cubicBezTo>
+                <a:cubicBezTo>
+                  <a:pt x="8490986" y="203874"/>
+                  <a:pt x="7628726" y="529207"/>
+                  <a:pt x="6635990" y="1179871"/>
+                </a:cubicBezTo>
+                <a:cubicBezTo>
+                  <a:pt x="6159478" y="1495081"/>
+                  <a:pt x="5755294" y="1814631"/>
+                  <a:pt x="5423435" y="2138516"/>
+                </a:cubicBezTo>
+                <a:cubicBezTo>
+                  <a:pt x="5102924" y="2456619"/>
+                  <a:pt x="4501611" y="3126080"/>
+                  <a:pt x="3619495" y="4146900"/>
+                </a:cubicBezTo>
+                <a:cubicBezTo>
+                  <a:pt x="2578543" y="5355689"/>
+                  <a:pt x="1794281" y="6155284"/>
+                  <a:pt x="1266714" y="6545681"/>
+                </a:cubicBezTo>
+                <a:cubicBezTo>
+                  <a:pt x="988747" y="6753894"/>
+                  <a:pt x="835583" y="6858000"/>
+                  <a:pt x="807220" y="6858000"/>
+                </a:cubicBezTo>
+                <a:cubicBezTo>
+                  <a:pt x="790202" y="6858000"/>
+                  <a:pt x="781692" y="6850047"/>
+                  <a:pt x="781692" y="6834143"/>
+                </a:cubicBezTo>
+                <a:cubicBezTo>
+                  <a:pt x="781692" y="6831250"/>
+                  <a:pt x="812892" y="6786403"/>
+                  <a:pt x="875292" y="6699604"/>
+                </a:cubicBezTo>
+                <a:cubicBezTo>
+                  <a:pt x="1377332" y="6037146"/>
+                  <a:pt x="1807754" y="5251741"/>
+                  <a:pt x="2166557" y="4343388"/>
+                </a:cubicBezTo>
+                <a:cubicBezTo>
+                  <a:pt x="2525361" y="3435032"/>
+                  <a:pt x="2704760" y="2677122"/>
+                  <a:pt x="2704760" y="2069653"/>
+                </a:cubicBezTo>
+                <a:cubicBezTo>
+                  <a:pt x="2704760" y="1091851"/>
+                  <a:pt x="2316175" y="602949"/>
+                  <a:pt x="1539006" y="602949"/>
+                </a:cubicBezTo>
+                <a:cubicBezTo>
+                  <a:pt x="1232676" y="602949"/>
+                  <a:pt x="879545" y="709946"/>
+                  <a:pt x="479617" y="923943"/>
+                </a:cubicBezTo>
+                <a:cubicBezTo>
+                  <a:pt x="379635" y="977442"/>
+                  <a:pt x="281868" y="1034918"/>
+                  <a:pt x="186317" y="1096369"/>
+                </a:cubicBezTo>
+                <a:lnTo>
+                  <a:pt x="0" y="1226978"/>
+                </a:lnTo>
+                <a:lnTo>
+                  <a:pt x="0" y="1034778"/>
+                </a:lnTo>
+                <a:lnTo>
+                  <a:pt x="63694" y="993585"/>
+                </a:lnTo>
+                <a:cubicBezTo>
+                  <a:pt x="561909" y="686891"/>
+                  <a:pt x="1062897" y="533544"/>
+                  <a:pt x="1566660" y="533544"/>
+                </a:cubicBezTo>
+                <a:cubicBezTo>
+                  <a:pt x="2045389" y="533544"/>
+                  <a:pt x="2433464" y="703496"/>
+                  <a:pt x="2730887" y="1043401"/>
+                </a:cubicBezTo>
+                <a:cubicBezTo>
+                  <a:pt x="3028309" y="1383306"/>
+                  <a:pt x="3177018" y="1829542"/>
+                  <a:pt x="3177018" y="2382110"/>
+                </a:cubicBezTo>
+                <a:cubicBezTo>
+                  <a:pt x="3177018" y="2972225"/>
+                  <a:pt x="3013925" y="3592739"/>
+                  <a:pt x="2687742" y="4243652"/>
+                </a:cubicBezTo>
+                <a:cubicBezTo>
+                  <a:pt x="2361558" y="4894565"/>
+                  <a:pt x="1835408" y="5651064"/>
+                  <a:pt x="1109294" y="6513149"/>
+                </a:cubicBezTo>
+                <a:cubicBezTo>
+                  <a:pt x="1080931" y="6547850"/>
+                  <a:pt x="1066748" y="6568094"/>
+                  <a:pt x="1066748" y="6573878"/>
+                </a:cubicBezTo>
+                <a:lnTo>
+                  <a:pt x="1075258" y="6586891"/>
+                </a:lnTo>
+                <a:cubicBezTo>
+                  <a:pt x="1123477" y="6586891"/>
+                  <a:pt x="1300750" y="6452374"/>
+                  <a:pt x="1607081" y="6183342"/>
+                </a:cubicBezTo>
+                <a:cubicBezTo>
+                  <a:pt x="1842499" y="5980869"/>
+                  <a:pt x="2086428" y="5739333"/>
+                  <a:pt x="2338868" y="5458734"/>
+                </a:cubicBezTo>
+                <a:cubicBezTo>
+                  <a:pt x="2565779" y="5207052"/>
+                  <a:pt x="3164254" y="4518570"/>
+                  <a:pt x="4134300" y="3393281"/>
+                </a:cubicBezTo>
+                <a:cubicBezTo>
+                  <a:pt x="4707247" y="2727932"/>
+                  <a:pt x="5212126" y="2203606"/>
+                  <a:pt x="5648930" y="1820300"/>
+                </a:cubicBezTo>
+                <a:cubicBezTo>
+                  <a:pt x="6085733" y="1436997"/>
+                  <a:pt x="6575010" y="1087695"/>
+                  <a:pt x="7116759" y="772392"/>
+                </a:cubicBezTo>
+                <a:cubicBezTo>
+                  <a:pt x="7998875" y="257465"/>
+                  <a:pt x="8776043" y="0"/>
+                  <a:pt x="9448265" y="0"/>
+                </a:cubicBezTo>
+                <a:close/>
+              </a:path>
+            </a:pathLst>
+          </a:custGeom>
+          <a:solidFill>
+            <a:schemeClr val="bg1">
+              <a:alpha val="67000"/>
+            </a:schemeClr>
+          </a:solidFill>
+          <a:ln>
+            <a:noFill/>
+          </a:ln>
+        </p:spPr>
+        <p:style>
+          <a:lnRef idx="2">
+            <a:schemeClr val="accent1">
+              <a:shade val="50000"/>
+            </a:schemeClr>
+          </a:lnRef>
+          <a:fillRef idx="1">
+            <a:schemeClr val="accent1"/>
+          </a:fillRef>
+          <a:effectRef idx="0">
+            <a:schemeClr val="accent1"/>
+          </a:effectRef>
+          <a:fontRef idx="minor">
+            <a:schemeClr val="lt1"/>
+          </a:fontRef>
+        </p:style>
+        <p:txBody>
+          <a:bodyPr rtlCol="0" anchor="ctr"/>
+          <a:lstStyle/>
+          <a:p>
+            <a:pPr algn="ctr"/>
+            <a:endParaRPr lang="pt-BR" dirty="0"/>
+          </a:p>
+        </p:txBody>
+      </p:sp>
+      <p:sp>
+        <p:nvSpPr>
+          <p:cNvPr id="27" name="Forma Livre: Forma 26">
+            <a:extLst>
+              <a:ext uri="{FF2B5EF4-FFF2-40B4-BE49-F238E27FC236}">
+                <a16:creationId xmlns:a16="http://schemas.microsoft.com/office/drawing/2014/main" id="{8CD39FDE-B5BD-48A1-A4FF-E22999EDED68}"/>
+              </a:ext>
+            </a:extLst>
+          </p:cNvPr>
+          <p:cNvSpPr/>
+          <p:nvPr/>
+        </p:nvSpPr>
+        <p:spPr>
+          <a:xfrm>
+            <a:off x="1" y="1882587"/>
+            <a:ext cx="1815555" cy="3459484"/>
+          </a:xfrm>
+          <a:custGeom>
+            <a:avLst/>
+            <a:gdLst>
+              <a:gd name="connsiteX0" fmla="*/ 1181622 w 1815555"/>
+              <a:gd name="connsiteY0" fmla="*/ 0 h 3459484"/>
+              <a:gd name="connsiteX1" fmla="*/ 1641117 w 1815555"/>
+              <a:gd name="connsiteY1" fmla="*/ 206046 h 3459484"/>
+              <a:gd name="connsiteX2" fmla="*/ 1815555 w 1815555"/>
+              <a:gd name="connsiteY2" fmla="*/ 746097 h 3459484"/>
+              <a:gd name="connsiteX3" fmla="*/ 990830 w 1815555"/>
+              <a:gd name="connsiteY3" fmla="*/ 2611334 h 3459484"/>
+              <a:gd name="connsiteX4" fmla="*/ 27792 w 1815555"/>
+              <a:gd name="connsiteY4" fmla="*/ 3446116 h 3459484"/>
+              <a:gd name="connsiteX5" fmla="*/ 0 w 1815555"/>
+              <a:gd name="connsiteY5" fmla="*/ 3459484 h 3459484"/>
+              <a:gd name="connsiteX6" fmla="*/ 0 w 1815555"/>
+              <a:gd name="connsiteY6" fmla="*/ 3377244 h 3459484"/>
+              <a:gd name="connsiteX7" fmla="*/ 79486 w 1815555"/>
+              <a:gd name="connsiteY7" fmla="*/ 3334181 h 3459484"/>
+              <a:gd name="connsiteX8" fmla="*/ 1100784 w 1815555"/>
+              <a:gd name="connsiteY8" fmla="*/ 2338055 h 3459484"/>
+              <a:gd name="connsiteX9" fmla="*/ 1738971 w 1815555"/>
+              <a:gd name="connsiteY9" fmla="*/ 763448 h 3459484"/>
+              <a:gd name="connsiteX10" fmla="*/ 1587935 w 1815555"/>
+              <a:gd name="connsiteY10" fmla="*/ 266775 h 3459484"/>
+              <a:gd name="connsiteX11" fmla="*/ 1181622 w 1815555"/>
+              <a:gd name="connsiteY11" fmla="*/ 82419 h 3459484"/>
+              <a:gd name="connsiteX12" fmla="*/ 894438 w 1815555"/>
+              <a:gd name="connsiteY12" fmla="*/ 149655 h 3459484"/>
+              <a:gd name="connsiteX13" fmla="*/ 751910 w 1815555"/>
+              <a:gd name="connsiteY13" fmla="*/ 286293 h 3459484"/>
+              <a:gd name="connsiteX14" fmla="*/ 781692 w 1815555"/>
+              <a:gd name="connsiteY14" fmla="*/ 312320 h 3459484"/>
+              <a:gd name="connsiteX15" fmla="*/ 815728 w 1815555"/>
+              <a:gd name="connsiteY15" fmla="*/ 312320 h 3459484"/>
+              <a:gd name="connsiteX16" fmla="*/ 947620 w 1815555"/>
+              <a:gd name="connsiteY16" fmla="*/ 294969 h 3459484"/>
+              <a:gd name="connsiteX17" fmla="*/ 1139076 w 1815555"/>
+              <a:gd name="connsiteY17" fmla="*/ 507520 h 3459484"/>
+              <a:gd name="connsiteX18" fmla="*/ 1036966 w 1815555"/>
+              <a:gd name="connsiteY18" fmla="*/ 739590 h 3459484"/>
+              <a:gd name="connsiteX19" fmla="*/ 798710 w 1815555"/>
+              <a:gd name="connsiteY19" fmla="*/ 837190 h 3459484"/>
+              <a:gd name="connsiteX20" fmla="*/ 534925 w 1815555"/>
+              <a:gd name="connsiteY20" fmla="*/ 559572 h 3459484"/>
+              <a:gd name="connsiteX21" fmla="*/ 726381 w 1815555"/>
+              <a:gd name="connsiteY21" fmla="*/ 167005 h 3459484"/>
+              <a:gd name="connsiteX22" fmla="*/ 1181622 w 1815555"/>
+              <a:gd name="connsiteY22" fmla="*/ 0 h 3459484"/>
+            </a:gdLst>
+            <a:ahLst/>
+            <a:cxnLst>
+              <a:cxn ang="0">
+                <a:pos x="connsiteX0" y="connsiteY0"/>
+              </a:cxn>
+              <a:cxn ang="0">
+                <a:pos x="connsiteX1" y="connsiteY1"/>
+              </a:cxn>
+              <a:cxn ang="0">
+                <a:pos x="connsiteX2" y="connsiteY2"/>
+              </a:cxn>
+              <a:cxn ang="0">
+                <a:pos x="connsiteX3" y="connsiteY3"/>
+              </a:cxn>
+              <a:cxn ang="0">
+                <a:pos x="connsiteX4" y="connsiteY4"/>
+              </a:cxn>
+              <a:cxn ang="0">
+                <a:pos x="connsiteX5" y="connsiteY5"/>
+              </a:cxn>
+              <a:cxn ang="0">
+                <a:pos x="connsiteX6" y="connsiteY6"/>
+              </a:cxn>
+              <a:cxn ang="0">
+                <a:pos x="connsiteX7" y="connsiteY7"/>
+              </a:cxn>
+              <a:cxn ang="0">
+                <a:pos x="connsiteX8" y="connsiteY8"/>
+              </a:cxn>
+              <a:cxn ang="0">
+                <a:pos x="connsiteX9" y="connsiteY9"/>
+              </a:cxn>
+              <a:cxn ang="0">
+                <a:pos x="connsiteX10" y="connsiteY10"/>
+              </a:cxn>
+              <a:cxn ang="0">
+                <a:pos x="connsiteX11" y="connsiteY11"/>
+              </a:cxn>
+              <a:cxn ang="0">
+                <a:pos x="connsiteX12" y="connsiteY12"/>
+              </a:cxn>
+              <a:cxn ang="0">
+                <a:pos x="connsiteX13" y="connsiteY13"/>
+              </a:cxn>
+              <a:cxn ang="0">
+                <a:pos x="connsiteX14" y="connsiteY14"/>
+              </a:cxn>
+              <a:cxn ang="0">
+                <a:pos x="connsiteX15" y="connsiteY15"/>
+              </a:cxn>
+              <a:cxn ang="0">
+                <a:pos x="connsiteX16" y="connsiteY16"/>
+              </a:cxn>
+              <a:cxn ang="0">
+                <a:pos x="connsiteX17" y="connsiteY17"/>
+              </a:cxn>
+              <a:cxn ang="0">
+                <a:pos x="connsiteX18" y="connsiteY18"/>
+              </a:cxn>
+              <a:cxn ang="0">
+                <a:pos x="connsiteX19" y="connsiteY19"/>
+              </a:cxn>
+              <a:cxn ang="0">
+                <a:pos x="connsiteX20" y="connsiteY20"/>
+              </a:cxn>
+              <a:cxn ang="0">
+                <a:pos x="connsiteX21" y="connsiteY21"/>
+              </a:cxn>
+              <a:cxn ang="0">
+                <a:pos x="connsiteX22" y="connsiteY22"/>
+              </a:cxn>
+            </a:cxnLst>
+            <a:rect l="l" t="t" r="r" b="b"/>
+            <a:pathLst>
+              <a:path w="1815555" h="3459484">
+                <a:moveTo>
+                  <a:pt x="1181622" y="0"/>
+                </a:moveTo>
+                <a:cubicBezTo>
+                  <a:pt x="1371660" y="0"/>
+                  <a:pt x="1524824" y="68682"/>
+                  <a:pt x="1641117" y="206046"/>
+                </a:cubicBezTo>
+                <a:cubicBezTo>
+                  <a:pt x="1757407" y="343408"/>
+                  <a:pt x="1815555" y="523424"/>
+                  <a:pt x="1815555" y="746097"/>
+                </a:cubicBezTo>
+                <a:cubicBezTo>
+                  <a:pt x="1815555" y="1312898"/>
+                  <a:pt x="1540645" y="1934642"/>
+                  <a:pt x="990830" y="2611334"/>
+                </a:cubicBezTo>
+                <a:cubicBezTo>
+                  <a:pt x="675203" y="2998479"/>
+                  <a:pt x="354190" y="3276740"/>
+                  <a:pt x="27792" y="3446116"/>
+                </a:cubicBezTo>
+                <a:lnTo>
+                  <a:pt x="0" y="3459484"/>
+                </a:lnTo>
+                <a:lnTo>
+                  <a:pt x="0" y="3377244"/>
+                </a:lnTo>
+                <a:lnTo>
+                  <a:pt x="79486" y="3334181"/>
+                </a:lnTo>
+                <a:cubicBezTo>
+                  <a:pt x="425303" y="3132069"/>
+                  <a:pt x="765736" y="2800027"/>
+                  <a:pt x="1100784" y="2338055"/>
+                </a:cubicBezTo>
+                <a:cubicBezTo>
+                  <a:pt x="1526242" y="1751010"/>
+                  <a:pt x="1738971" y="1226143"/>
+                  <a:pt x="1738971" y="763448"/>
+                </a:cubicBezTo>
+                <a:cubicBezTo>
+                  <a:pt x="1738971" y="555235"/>
+                  <a:pt x="1688626" y="389676"/>
+                  <a:pt x="1587935" y="266775"/>
+                </a:cubicBezTo>
+                <a:cubicBezTo>
+                  <a:pt x="1487243" y="143871"/>
+                  <a:pt x="1351804" y="82419"/>
+                  <a:pt x="1181622" y="82419"/>
+                </a:cubicBezTo>
+                <a:cubicBezTo>
+                  <a:pt x="1085185" y="82419"/>
+                  <a:pt x="989456" y="104830"/>
+                  <a:pt x="894438" y="149655"/>
+                </a:cubicBezTo>
+                <a:cubicBezTo>
+                  <a:pt x="799419" y="194477"/>
+                  <a:pt x="751910" y="240024"/>
+                  <a:pt x="751910" y="286293"/>
+                </a:cubicBezTo>
+                <a:cubicBezTo>
+                  <a:pt x="751910" y="303644"/>
+                  <a:pt x="761836" y="312320"/>
+                  <a:pt x="781692" y="312320"/>
+                </a:cubicBezTo>
+                <a:lnTo>
+                  <a:pt x="815728" y="312320"/>
+                </a:lnTo>
+                <a:cubicBezTo>
+                  <a:pt x="895147" y="300753"/>
+                  <a:pt x="939110" y="294969"/>
+                  <a:pt x="947620" y="294969"/>
+                </a:cubicBezTo>
+                <a:cubicBezTo>
+                  <a:pt x="1075258" y="294969"/>
+                  <a:pt x="1139076" y="365819"/>
+                  <a:pt x="1139076" y="507520"/>
+                </a:cubicBezTo>
+                <a:cubicBezTo>
+                  <a:pt x="1139076" y="597166"/>
+                  <a:pt x="1105040" y="674525"/>
+                  <a:pt x="1036966" y="739590"/>
+                </a:cubicBezTo>
+                <a:cubicBezTo>
+                  <a:pt x="968892" y="804656"/>
+                  <a:pt x="889474" y="837190"/>
+                  <a:pt x="798710" y="837190"/>
+                </a:cubicBezTo>
+                <a:cubicBezTo>
+                  <a:pt x="622855" y="837190"/>
+                  <a:pt x="534925" y="744651"/>
+                  <a:pt x="534925" y="559572"/>
+                </a:cubicBezTo>
+                <a:cubicBezTo>
+                  <a:pt x="534925" y="409197"/>
+                  <a:pt x="598746" y="278342"/>
+                  <a:pt x="726381" y="167005"/>
+                </a:cubicBezTo>
+                <a:cubicBezTo>
+                  <a:pt x="854020" y="55669"/>
+                  <a:pt x="1005765" y="0"/>
+                  <a:pt x="1181622" y="0"/>
+                </a:cubicBezTo>
+                <a:close/>
+              </a:path>
+            </a:pathLst>
+          </a:custGeom>
+          <a:solidFill>
+            <a:schemeClr val="bg1">
+              <a:alpha val="70000"/>
+            </a:schemeClr>
+          </a:solidFill>
+          <a:ln>
+            <a:noFill/>
+          </a:ln>
+        </p:spPr>
+        <p:style>
+          <a:lnRef idx="2">
+            <a:schemeClr val="accent1">
+              <a:shade val="50000"/>
+            </a:schemeClr>
+          </a:lnRef>
+          <a:fillRef idx="1">
+            <a:schemeClr val="accent1"/>
+          </a:fillRef>
+          <a:effectRef idx="0">
+            <a:schemeClr val="accent1"/>
+          </a:effectRef>
+          <a:fontRef idx="minor">
+            <a:schemeClr val="lt1"/>
+          </a:fontRef>
+        </p:style>
+        <p:txBody>
+          <a:bodyPr rtlCol="0" anchor="ctr"/>
+          <a:lstStyle/>
+          <a:p>
+            <a:pPr algn="ctr"/>
+            <a:endParaRPr lang="pt-BR" dirty="0"/>
+          </a:p>
+        </p:txBody>
+      </p:sp>
+      <p:sp>
+        <p:nvSpPr>
+          <p:cNvPr id="25" name="Forma Livre: Forma 24">
+            <a:extLst>
+              <a:ext uri="{FF2B5EF4-FFF2-40B4-BE49-F238E27FC236}">
+                <a16:creationId xmlns:a16="http://schemas.microsoft.com/office/drawing/2014/main" id="{668BBDFE-D953-42DE-BFB3-96C94BF71B61}"/>
+              </a:ext>
+            </a:extLst>
+          </p:cNvPr>
+          <p:cNvSpPr/>
+          <p:nvPr/>
+        </p:nvSpPr>
+        <p:spPr>
+          <a:xfrm>
+            <a:off x="807219" y="0"/>
+            <a:ext cx="11384780" cy="6858000"/>
+          </a:xfrm>
+          <a:custGeom>
+            <a:avLst/>
+            <a:gdLst>
+              <a:gd name="connsiteX0" fmla="*/ 8641045 w 11384780"/>
+              <a:gd name="connsiteY0" fmla="*/ 0 h 6858000"/>
+              <a:gd name="connsiteX1" fmla="*/ 11384780 w 11384780"/>
+              <a:gd name="connsiteY1" fmla="*/ 0 h 6858000"/>
+              <a:gd name="connsiteX2" fmla="*/ 11384780 w 11384780"/>
+              <a:gd name="connsiteY2" fmla="*/ 6858000 h 6858000"/>
+              <a:gd name="connsiteX3" fmla="*/ 0 w 11384780"/>
+              <a:gd name="connsiteY3" fmla="*/ 6858000 h 6858000"/>
+              <a:gd name="connsiteX4" fmla="*/ 459494 w 11384780"/>
+              <a:gd name="connsiteY4" fmla="*/ 6545681 h 6858000"/>
+              <a:gd name="connsiteX5" fmla="*/ 2812275 w 11384780"/>
+              <a:gd name="connsiteY5" fmla="*/ 4146900 h 6858000"/>
+              <a:gd name="connsiteX6" fmla="*/ 4616215 w 11384780"/>
+              <a:gd name="connsiteY6" fmla="*/ 2138516 h 6858000"/>
+              <a:gd name="connsiteX7" fmla="*/ 5828770 w 11384780"/>
+              <a:gd name="connsiteY7" fmla="*/ 1179871 h 6858000"/>
+              <a:gd name="connsiteX8" fmla="*/ 8415553 w 11384780"/>
+              <a:gd name="connsiteY8" fmla="*/ 203874 h 6858000"/>
+              <a:gd name="connsiteX9" fmla="*/ 8798466 w 11384780"/>
+              <a:gd name="connsiteY9" fmla="*/ 229901 h 6858000"/>
+              <a:gd name="connsiteX10" fmla="*/ 8870794 w 11384780"/>
+              <a:gd name="connsiteY10" fmla="*/ 229901 h 6858000"/>
+              <a:gd name="connsiteX11" fmla="*/ 8989922 w 11384780"/>
+              <a:gd name="connsiteY11" fmla="*/ 125794 h 6858000"/>
+              <a:gd name="connsiteX12" fmla="*/ 8641045 w 11384780"/>
+              <a:gd name="connsiteY12" fmla="*/ 0 h 6858000"/>
+            </a:gdLst>
+            <a:ahLst/>
+            <a:cxnLst>
+              <a:cxn ang="0">
+                <a:pos x="connsiteX0" y="connsiteY0"/>
+              </a:cxn>
+              <a:cxn ang="0">
+                <a:pos x="connsiteX1" y="connsiteY1"/>
+              </a:cxn>
+              <a:cxn ang="0">
+                <a:pos x="connsiteX2" y="connsiteY2"/>
+              </a:cxn>
+              <a:cxn ang="0">
+                <a:pos x="connsiteX3" y="connsiteY3"/>
+              </a:cxn>
+              <a:cxn ang="0">
+                <a:pos x="connsiteX4" y="connsiteY4"/>
+              </a:cxn>
+              <a:cxn ang="0">
+                <a:pos x="connsiteX5" y="connsiteY5"/>
+              </a:cxn>
+              <a:cxn ang="0">
+                <a:pos x="connsiteX6" y="connsiteY6"/>
+              </a:cxn>
+              <a:cxn ang="0">
+                <a:pos x="connsiteX7" y="connsiteY7"/>
+              </a:cxn>
+              <a:cxn ang="0">
+                <a:pos x="connsiteX8" y="connsiteY8"/>
+              </a:cxn>
+              <a:cxn ang="0">
+                <a:pos x="connsiteX9" y="connsiteY9"/>
+              </a:cxn>
+              <a:cxn ang="0">
+                <a:pos x="connsiteX10" y="connsiteY10"/>
+              </a:cxn>
+              <a:cxn ang="0">
+                <a:pos x="connsiteX11" y="connsiteY11"/>
+              </a:cxn>
+              <a:cxn ang="0">
+                <a:pos x="connsiteX12" y="connsiteY12"/>
+              </a:cxn>
+            </a:cxnLst>
+            <a:rect l="l" t="t" r="r" b="b"/>
+            <a:pathLst>
+              <a:path w="11384780" h="6858000">
+                <a:moveTo>
+                  <a:pt x="8641045" y="0"/>
+                </a:moveTo>
+                <a:lnTo>
+                  <a:pt x="11384780" y="0"/>
+                </a:lnTo>
+                <a:lnTo>
+                  <a:pt x="11384780" y="6858000"/>
+                </a:lnTo>
+                <a:lnTo>
+                  <a:pt x="0" y="6858000"/>
+                </a:lnTo>
+                <a:cubicBezTo>
+                  <a:pt x="28363" y="6858000"/>
+                  <a:pt x="181527" y="6753894"/>
+                  <a:pt x="459494" y="6545681"/>
+                </a:cubicBezTo>
+                <a:cubicBezTo>
+                  <a:pt x="987061" y="6155284"/>
+                  <a:pt x="1771323" y="5355689"/>
+                  <a:pt x="2812275" y="4146900"/>
+                </a:cubicBezTo>
+                <a:cubicBezTo>
+                  <a:pt x="3694391" y="3126080"/>
+                  <a:pt x="4295704" y="2456619"/>
+                  <a:pt x="4616215" y="2138516"/>
+                </a:cubicBezTo>
+                <a:cubicBezTo>
+                  <a:pt x="4948074" y="1814631"/>
+                  <a:pt x="5352258" y="1495081"/>
+                  <a:pt x="5828770" y="1179871"/>
+                </a:cubicBezTo>
+                <a:cubicBezTo>
+                  <a:pt x="6821506" y="529207"/>
+                  <a:pt x="7683766" y="203874"/>
+                  <a:pt x="8415553" y="203874"/>
+                </a:cubicBezTo>
+                <a:cubicBezTo>
+                  <a:pt x="8514826" y="203874"/>
+                  <a:pt x="8642464" y="212550"/>
+                  <a:pt x="8798466" y="229901"/>
+                </a:cubicBezTo>
+                <a:lnTo>
+                  <a:pt x="8870794" y="229901"/>
+                </a:lnTo>
+                <a:cubicBezTo>
+                  <a:pt x="8950213" y="229901"/>
+                  <a:pt x="8989922" y="195200"/>
+                  <a:pt x="8989922" y="125794"/>
+                </a:cubicBezTo>
+                <a:cubicBezTo>
+                  <a:pt x="8989922" y="41931"/>
+                  <a:pt x="8873631" y="0"/>
+                  <a:pt x="8641045" y="0"/>
+                </a:cubicBezTo>
+                <a:close/>
+              </a:path>
+            </a:pathLst>
+          </a:custGeom>
+          <a:solidFill>
+            <a:schemeClr val="bg1">
+              <a:alpha val="70000"/>
+            </a:schemeClr>
+          </a:solidFill>
+          <a:ln>
+            <a:noFill/>
+          </a:ln>
+        </p:spPr>
+        <p:style>
+          <a:lnRef idx="2">
+            <a:schemeClr val="accent1">
+              <a:shade val="50000"/>
+            </a:schemeClr>
+          </a:lnRef>
+          <a:fillRef idx="1">
+            <a:schemeClr val="accent1"/>
+          </a:fillRef>
+          <a:effectRef idx="0">
+            <a:schemeClr val="accent1"/>
+          </a:effectRef>
+          <a:fontRef idx="minor">
+            <a:schemeClr val="lt1"/>
+          </a:fontRef>
+        </p:style>
+        <p:txBody>
+          <a:bodyPr rtlCol="0" anchor="ctr"/>
+          <a:lstStyle/>
+          <a:p>
+            <a:pPr algn="ctr"/>
+            <a:endParaRPr lang="pt-BR" dirty="0"/>
+          </a:p>
+        </p:txBody>
+      </p:sp>
+      <p:sp>
+        <p:nvSpPr>
+          <p:cNvPr id="31" name="CaixaDeTexto 30">
+            <a:extLst>
+              <a:ext uri="{FF2B5EF4-FFF2-40B4-BE49-F238E27FC236}">
+                <a16:creationId xmlns:a16="http://schemas.microsoft.com/office/drawing/2014/main" id="{FF679673-F6B7-4029-837F-72C9B5089314}"/>
+              </a:ext>
+            </a:extLst>
+          </p:cNvPr>
+          <p:cNvSpPr txBox="1"/>
+          <p:nvPr/>
+        </p:nvSpPr>
+        <p:spPr>
+          <a:xfrm>
+            <a:off x="4664766" y="2828835"/>
+            <a:ext cx="6931512" cy="3416320"/>
+          </a:xfrm>
+          <a:prstGeom prst="rect">
+            <a:avLst/>
+          </a:prstGeom>
+          <a:noFill/>
+        </p:spPr>
+        <p:txBody>
+          <a:bodyPr wrap="square" rtlCol="0">
+            <a:spAutoFit/>
+          </a:bodyPr>
+          <a:lstStyle/>
+          <a:p>
+            <a:pPr algn="ctr"/>
+            <a:r>
+              <a:rPr lang="pt-BR" sz="7200" dirty="0">
+                <a:solidFill>
+                  <a:schemeClr val="accent1">
+                    <a:lumMod val="50000"/>
+                  </a:schemeClr>
+                </a:solidFill>
+                <a:latin typeface="Aharoni" panose="02010803020104030203" pitchFamily="2" charset="-79"/>
+                <a:cs typeface="Aharoni" panose="02010803020104030203" pitchFamily="2" charset="-79"/>
+              </a:rPr>
+              <a:t>Obrigado(a) pela atenção de todos!</a:t>
+            </a:r>
+          </a:p>
+        </p:txBody>
+      </p:sp>
+    </p:spTree>
+    <p:extLst>
+      <p:ext uri="{BB962C8B-B14F-4D97-AF65-F5344CB8AC3E}">
+        <p14:creationId xmlns:p14="http://schemas.microsoft.com/office/powerpoint/2010/main" val="1029697696"/>
+      </p:ext>
+    </p:extLst>
+  </p:cSld>
+  <p:clrMapOvr>
+    <a:masterClrMapping/>
+  </p:clrMapOvr>
+  <p:timing>
+    <p:tnLst>
+      <p:par>
+        <p:cTn id="1" dur="indefinite" restart="never" nodeType="tmRoot">
+          <p:childTnLst>
+            <p:seq concurrent="1" nextAc="seek">
+              <p:cTn id="2" dur="indefinite" nodeType="mainSeq">
+                <p:childTnLst>
+                  <p:par>
+                    <p:cTn id="3" fill="hold">
+                      <p:stCondLst>
+                        <p:cond delay="indefinite"/>
+                        <p:cond evt="onBegin" delay="0">
+                          <p:tn val="2"/>
+                        </p:cond>
+                      </p:stCondLst>
+                      <p:childTnLst>
+                        <p:par>
+                          <p:cTn id="4" fill="hold">
+                            <p:stCondLst>
+                              <p:cond delay="0"/>
+                            </p:stCondLst>
+                            <p:childTnLst>
+                              <p:par>
+                                <p:cTn id="5" presetID="10" presetClass="entr" presetSubtype="0" fill="hold" grpId="0" nodeType="afterEffect">
+                                  <p:stCondLst>
+                                    <p:cond delay="0"/>
+                                  </p:stCondLst>
+                                  <p:childTnLst>
+                                    <p:set>
+                                      <p:cBhvr>
+                                        <p:cTn id="6" dur="1" fill="hold">
+                                          <p:stCondLst>
+                                            <p:cond delay="0"/>
+                                          </p:stCondLst>
+                                        </p:cTn>
+                                        <p:tgtEl>
+                                          <p:spTgt spid="29"/>
+                                        </p:tgtEl>
+                                        <p:attrNameLst>
+                                          <p:attrName>style.visibility</p:attrName>
+                                        </p:attrNameLst>
+                                      </p:cBhvr>
+                                      <p:to>
+                                        <p:strVal val="visible"/>
+                                      </p:to>
+                                    </p:set>
+                                    <p:animEffect transition="in" filter="fade">
+                                      <p:cBhvr>
+                                        <p:cTn id="7" dur="500"/>
+                                        <p:tgtEl>
+                                          <p:spTgt spid="29"/>
+                                        </p:tgtEl>
+                                      </p:cBhvr>
+                                    </p:animEffect>
+                                  </p:childTnLst>
+                                </p:cTn>
+                              </p:par>
+                              <p:par>
+                                <p:cTn id="8" presetID="10" presetClass="entr" presetSubtype="0" fill="hold" grpId="0" nodeType="withEffect">
+                                  <p:stCondLst>
+                                    <p:cond delay="0"/>
+                                  </p:stCondLst>
+                                  <p:childTnLst>
+                                    <p:set>
+                                      <p:cBhvr>
+                                        <p:cTn id="9" dur="1" fill="hold">
+                                          <p:stCondLst>
+                                            <p:cond delay="0"/>
+                                          </p:stCondLst>
+                                        </p:cTn>
+                                        <p:tgtEl>
+                                          <p:spTgt spid="27"/>
+                                        </p:tgtEl>
+                                        <p:attrNameLst>
+                                          <p:attrName>style.visibility</p:attrName>
+                                        </p:attrNameLst>
+                                      </p:cBhvr>
+                                      <p:to>
+                                        <p:strVal val="visible"/>
+                                      </p:to>
+                                    </p:set>
+                                    <p:animEffect transition="in" filter="fade">
+                                      <p:cBhvr>
+                                        <p:cTn id="10" dur="500"/>
+                                        <p:tgtEl>
+                                          <p:spTgt spid="27"/>
+                                        </p:tgtEl>
+                                      </p:cBhvr>
+                                    </p:animEffect>
+                                  </p:childTnLst>
+                                </p:cTn>
+                              </p:par>
+                              <p:par>
+                                <p:cTn id="11" presetID="10" presetClass="entr" presetSubtype="0" fill="hold" grpId="0" nodeType="withEffect">
+                                  <p:stCondLst>
+                                    <p:cond delay="0"/>
+                                  </p:stCondLst>
+                                  <p:childTnLst>
+                                    <p:set>
+                                      <p:cBhvr>
+                                        <p:cTn id="12" dur="1" fill="hold">
+                                          <p:stCondLst>
+                                            <p:cond delay="0"/>
+                                          </p:stCondLst>
+                                        </p:cTn>
+                                        <p:tgtEl>
+                                          <p:spTgt spid="31"/>
+                                        </p:tgtEl>
+                                        <p:attrNameLst>
+                                          <p:attrName>style.visibility</p:attrName>
+                                        </p:attrNameLst>
+                                      </p:cBhvr>
+                                      <p:to>
+                                        <p:strVal val="visible"/>
+                                      </p:to>
+                                    </p:set>
+                                    <p:animEffect transition="in" filter="fade">
+                                      <p:cBhvr>
+                                        <p:cTn id="13" dur="500"/>
+                                        <p:tgtEl>
+                                          <p:spTgt spid="31"/>
+                                        </p:tgtEl>
+                                      </p:cBhvr>
+                                    </p:animEffect>
+                                  </p:childTnLst>
+                                </p:cTn>
+                              </p:par>
+                            </p:childTnLst>
+                          </p:cTn>
+                        </p:par>
+                      </p:childTnLst>
+                    </p:cTn>
+                  </p:par>
+                </p:childTnLst>
+              </p:cTn>
+              <p:prevCondLst>
+                <p:cond evt="onPrev" delay="0">
+                  <p:tgtEl>
+                    <p:sldTgt/>
+                  </p:tgtEl>
+                </p:cond>
+              </p:prevCondLst>
+              <p:nextCondLst>
+                <p:cond evt="onNext" delay="0">
+                  <p:tgtEl>
+                    <p:sldTgt/>
+                  </p:tgtEl>
+                </p:cond>
+              </p:nextCondLst>
+            </p:seq>
+          </p:childTnLst>
+        </p:cTn>
+      </p:par>
+    </p:tnLst>
+    <p:bldLst>
+      <p:bldP spid="29" grpId="0" animBg="1"/>
+      <p:bldP spid="27" grpId="0" animBg="1"/>
+      <p:bldP spid="31" grpId="0"/>
+    </p:bldLst>
+  </p:timing>
 </p:sld>
 </file>
 
